--- a/Week 5/Sequence Activity State_Chart.pptx
+++ b/Week 5/Sequence Activity State_Chart.pptx
@@ -43,17 +43,17 @@
     <p:sldId id="401" r:id="rId34"/>
     <p:sldId id="411" r:id="rId35"/>
     <p:sldId id="412" r:id="rId36"/>
-    <p:sldId id="384" r:id="rId37"/>
-    <p:sldId id="385" r:id="rId38"/>
-    <p:sldId id="402" r:id="rId39"/>
-    <p:sldId id="386" r:id="rId40"/>
-    <p:sldId id="403" r:id="rId41"/>
-    <p:sldId id="387" r:id="rId42"/>
-    <p:sldId id="388" r:id="rId43"/>
-    <p:sldId id="404" r:id="rId44"/>
-    <p:sldId id="389" r:id="rId45"/>
-    <p:sldId id="405" r:id="rId46"/>
-    <p:sldId id="410" r:id="rId47"/>
+    <p:sldId id="387" r:id="rId37"/>
+    <p:sldId id="388" r:id="rId38"/>
+    <p:sldId id="404" r:id="rId39"/>
+    <p:sldId id="389" r:id="rId40"/>
+    <p:sldId id="405" r:id="rId41"/>
+    <p:sldId id="410" r:id="rId42"/>
+    <p:sldId id="384" r:id="rId43"/>
+    <p:sldId id="385" r:id="rId44"/>
+    <p:sldId id="402" r:id="rId45"/>
+    <p:sldId id="386" r:id="rId46"/>
+    <p:sldId id="403" r:id="rId47"/>
     <p:sldId id="360" r:id="rId48"/>
     <p:sldId id="361" r:id="rId49"/>
   </p:sldIdLst>
@@ -240,7 +240,7 @@
             <a:fld id="{FCAB3D58-05BB-4C09-92A0-616083F20AE5}" type="datetimeFigureOut">
               <a:rPr lang="en-US" smtClean="0"/>
               <a:pPr/>
-              <a:t>3/2/2014</a:t>
+              <a:t>3/28/2014</a:t>
             </a:fld>
             <a:endParaRPr lang="en-US"/>
           </a:p>
@@ -409,7 +409,7 @@
     </p:spTree>
     <p:extLst>
       <p:ext uri="{BB962C8B-B14F-4D97-AF65-F5344CB8AC3E}">
-        <p14:creationId xmlns:p14="http://schemas.microsoft.com/office/powerpoint/2010/main" xmlns="" val="1006875183"/>
+        <p14:creationId xmlns:p14="http://schemas.microsoft.com/office/powerpoint/2010/main" val="1006875183"/>
       </p:ext>
     </p:extLst>
   </p:cSld>
@@ -717,7 +717,7 @@
             <a:fld id="{5A85E569-D761-43EE-9C18-CBC3584DA866}" type="datetime1">
               <a:rPr lang="en-US" smtClean="0"/>
               <a:pPr/>
-              <a:t>3/2/2014</a:t>
+              <a:t>3/28/2014</a:t>
             </a:fld>
             <a:endParaRPr lang="en-US"/>
           </a:p>
@@ -913,7 +913,7 @@
             <a:fld id="{CEAFB173-C6D6-4FEF-9C5A-6FD3E2845317}" type="datetime1">
               <a:rPr lang="en-US" smtClean="0"/>
               <a:pPr/>
-              <a:t>3/2/2014</a:t>
+              <a:t>3/28/2014</a:t>
             </a:fld>
             <a:endParaRPr lang="en-US"/>
           </a:p>
@@ -1103,7 +1103,7 @@
             <a:fld id="{B47A1AA6-2E00-4089-A48D-A2E8A16DE06E}" type="datetime1">
               <a:rPr lang="en-US" smtClean="0"/>
               <a:pPr/>
-              <a:t>3/2/2014</a:t>
+              <a:t>3/28/2014</a:t>
             </a:fld>
             <a:endParaRPr lang="en-US"/>
           </a:p>
@@ -1334,7 +1334,7 @@
             <a:fld id="{B0598470-8820-415C-B15D-EAA61EDF4EE1}" type="datetime1">
               <a:rPr lang="en-US" smtClean="0"/>
               <a:pPr/>
-              <a:t>3/2/2014</a:t>
+              <a:t>3/28/2014</a:t>
             </a:fld>
             <a:endParaRPr lang="en-US"/>
           </a:p>
@@ -1617,7 +1617,7 @@
             <a:fld id="{FBA5283E-0B9D-47DD-82CF-D9BEA8393936}" type="datetime1">
               <a:rPr lang="en-US" smtClean="0"/>
               <a:pPr/>
-              <a:t>3/2/2014</a:t>
+              <a:t>3/28/2014</a:t>
             </a:fld>
             <a:endParaRPr lang="en-US"/>
           </a:p>
@@ -1907,7 +1907,7 @@
             <a:fld id="{932B3D97-B223-4A82-B8DF-75C7E6074B5E}" type="datetime1">
               <a:rPr lang="en-US" smtClean="0"/>
               <a:pPr/>
-              <a:t>3/2/2014</a:t>
+              <a:t>3/28/2014</a:t>
             </a:fld>
             <a:endParaRPr lang="en-US"/>
           </a:p>
@@ -2463,7 +2463,7 @@
             <a:fld id="{3445EE28-77B9-4CEE-975C-030549023573}" type="datetime1">
               <a:rPr lang="en-US" smtClean="0"/>
               <a:pPr/>
-              <a:t>3/2/2014</a:t>
+              <a:t>3/28/2014</a:t>
             </a:fld>
             <a:endParaRPr lang="en-US"/>
           </a:p>
@@ -2596,7 +2596,7 @@
             <a:fld id="{C2123D91-CE27-4DCE-951C-B0199DBBD7E8}" type="datetime1">
               <a:rPr lang="en-US" smtClean="0"/>
               <a:pPr/>
-              <a:t>3/2/2014</a:t>
+              <a:t>3/28/2014</a:t>
             </a:fld>
             <a:endParaRPr lang="en-US"/>
           </a:p>
@@ -2748,7 +2748,7 @@
             <a:fld id="{30D40B70-ED3B-49F5-A6BB-EDC381E3CD94}" type="datetime1">
               <a:rPr lang="en-US" smtClean="0"/>
               <a:pPr/>
-              <a:t>3/2/2014</a:t>
+              <a:t>3/28/2014</a:t>
             </a:fld>
             <a:endParaRPr lang="en-US"/>
           </a:p>
@@ -3071,7 +3071,7 @@
             <a:fld id="{9334DBA2-D180-42D5-AE82-24FAECA29427}" type="datetime1">
               <a:rPr lang="en-US" smtClean="0"/>
               <a:pPr/>
-              <a:t>3/2/2014</a:t>
+              <a:t>3/28/2014</a:t>
             </a:fld>
             <a:endParaRPr lang="en-US"/>
           </a:p>
@@ -3370,7 +3370,7 @@
             <a:fld id="{A640D992-C1CF-4444-A12A-4E16EF9E165A}" type="datetime1">
               <a:rPr lang="en-US" smtClean="0"/>
               <a:pPr/>
-              <a:t>3/2/2014</a:t>
+              <a:t>3/28/2014</a:t>
             </a:fld>
             <a:endParaRPr lang="en-US"/>
           </a:p>
@@ -3617,7 +3617,7 @@
             <a:fld id="{8DE51BCB-5EB7-4185-A387-AA2498EB1E41}" type="datetime1">
               <a:rPr lang="en-US" smtClean="0"/>
               <a:pPr/>
-              <a:t>3/2/2014</a:t>
+              <a:t>3/28/2014</a:t>
             </a:fld>
             <a:endParaRPr lang="en-US"/>
           </a:p>
@@ -4282,7 +4282,7 @@
     </p:spTree>
     <p:extLst>
       <p:ext uri="{BB962C8B-B14F-4D97-AF65-F5344CB8AC3E}">
-        <p14:creationId xmlns:p14="http://schemas.microsoft.com/office/powerpoint/2010/main" xmlns="" val="824607520"/>
+        <p14:creationId xmlns:p14="http://schemas.microsoft.com/office/powerpoint/2010/main" val="824607520"/>
       </p:ext>
     </p:extLst>
   </p:cSld>
@@ -4402,7 +4402,7 @@
           <p:nvPr>
             <p:extLst>
               <p:ext uri="{D42A27DB-BD31-4B8C-83A1-F6EECF244321}">
-                <p14:modId xmlns:p14="http://schemas.microsoft.com/office/powerpoint/2010/main" xmlns="" val="3556999751"/>
+                <p14:modId xmlns:p14="http://schemas.microsoft.com/office/powerpoint/2010/main" val="3556999751"/>
               </p:ext>
             </p:extLst>
           </p:nvPr>
@@ -6231,7 +6231,7 @@
     </p:spTree>
     <p:extLst>
       <p:ext uri="{BB962C8B-B14F-4D97-AF65-F5344CB8AC3E}">
-        <p14:creationId xmlns:p14="http://schemas.microsoft.com/office/powerpoint/2010/main" xmlns="" val="1398791197"/>
+        <p14:creationId xmlns:p14="http://schemas.microsoft.com/office/powerpoint/2010/main" val="1398791197"/>
       </p:ext>
     </p:extLst>
   </p:cSld>
@@ -6349,7 +6349,7 @@
     </p:spTree>
     <p:extLst>
       <p:ext uri="{BB962C8B-B14F-4D97-AF65-F5344CB8AC3E}">
-        <p14:creationId xmlns:p14="http://schemas.microsoft.com/office/powerpoint/2010/main" xmlns="" val="3829617926"/>
+        <p14:creationId xmlns:p14="http://schemas.microsoft.com/office/powerpoint/2010/main" val="3829617926"/>
       </p:ext>
     </p:extLst>
   </p:cSld>
@@ -6484,7 +6484,7 @@
     </p:spTree>
     <p:extLst>
       <p:ext uri="{BB962C8B-B14F-4D97-AF65-F5344CB8AC3E}">
-        <p14:creationId xmlns:p14="http://schemas.microsoft.com/office/powerpoint/2010/main" xmlns="" val="226765183"/>
+        <p14:creationId xmlns:p14="http://schemas.microsoft.com/office/powerpoint/2010/main" val="226765183"/>
       </p:ext>
     </p:extLst>
   </p:cSld>
@@ -6621,7 +6621,7 @@
     </p:spTree>
     <p:extLst>
       <p:ext uri="{BB962C8B-B14F-4D97-AF65-F5344CB8AC3E}">
-        <p14:creationId xmlns:p14="http://schemas.microsoft.com/office/powerpoint/2010/main" xmlns="" val="3362132108"/>
+        <p14:creationId xmlns:p14="http://schemas.microsoft.com/office/powerpoint/2010/main" val="3362132108"/>
       </p:ext>
     </p:extLst>
   </p:cSld>
@@ -6766,7 +6766,7 @@
     </p:spTree>
     <p:extLst>
       <p:ext uri="{BB962C8B-B14F-4D97-AF65-F5344CB8AC3E}">
-        <p14:creationId xmlns:p14="http://schemas.microsoft.com/office/powerpoint/2010/main" xmlns="" val="2399884480"/>
+        <p14:creationId xmlns:p14="http://schemas.microsoft.com/office/powerpoint/2010/main" val="2399884480"/>
       </p:ext>
     </p:extLst>
   </p:cSld>
@@ -6903,7 +6903,7 @@
     </p:spTree>
     <p:extLst>
       <p:ext uri="{BB962C8B-B14F-4D97-AF65-F5344CB8AC3E}">
-        <p14:creationId xmlns:p14="http://schemas.microsoft.com/office/powerpoint/2010/main" xmlns="" val="3362132108"/>
+        <p14:creationId xmlns:p14="http://schemas.microsoft.com/office/powerpoint/2010/main" val="3362132108"/>
       </p:ext>
     </p:extLst>
   </p:cSld>
@@ -7048,7 +7048,7 @@
     </p:spTree>
     <p:extLst>
       <p:ext uri="{BB962C8B-B14F-4D97-AF65-F5344CB8AC3E}">
-        <p14:creationId xmlns:p14="http://schemas.microsoft.com/office/powerpoint/2010/main" xmlns="" val="1145311026"/>
+        <p14:creationId xmlns:p14="http://schemas.microsoft.com/office/powerpoint/2010/main" val="1145311026"/>
       </p:ext>
     </p:extLst>
   </p:cSld>
@@ -7185,7 +7185,7 @@
     </p:spTree>
     <p:extLst>
       <p:ext uri="{BB962C8B-B14F-4D97-AF65-F5344CB8AC3E}">
-        <p14:creationId xmlns:p14="http://schemas.microsoft.com/office/powerpoint/2010/main" xmlns="" val="3362132108"/>
+        <p14:creationId xmlns:p14="http://schemas.microsoft.com/office/powerpoint/2010/main" val="3362132108"/>
       </p:ext>
     </p:extLst>
   </p:cSld>
@@ -7334,7 +7334,7 @@
     </p:spTree>
     <p:extLst>
       <p:ext uri="{BB962C8B-B14F-4D97-AF65-F5344CB8AC3E}">
-        <p14:creationId xmlns:p14="http://schemas.microsoft.com/office/powerpoint/2010/main" xmlns="" val="4044079412"/>
+        <p14:creationId xmlns:p14="http://schemas.microsoft.com/office/powerpoint/2010/main" val="4044079412"/>
       </p:ext>
     </p:extLst>
   </p:cSld>
@@ -7471,7 +7471,7 @@
     </p:spTree>
     <p:extLst>
       <p:ext uri="{BB962C8B-B14F-4D97-AF65-F5344CB8AC3E}">
-        <p14:creationId xmlns:p14="http://schemas.microsoft.com/office/powerpoint/2010/main" xmlns="" val="3362132108"/>
+        <p14:creationId xmlns:p14="http://schemas.microsoft.com/office/powerpoint/2010/main" val="3362132108"/>
       </p:ext>
     </p:extLst>
   </p:cSld>
@@ -7602,7 +7602,7 @@
     </p:spTree>
     <p:extLst>
       <p:ext uri="{BB962C8B-B14F-4D97-AF65-F5344CB8AC3E}">
-        <p14:creationId xmlns:p14="http://schemas.microsoft.com/office/powerpoint/2010/main" xmlns="" val="1998170915"/>
+        <p14:creationId xmlns:p14="http://schemas.microsoft.com/office/powerpoint/2010/main" val="1998170915"/>
       </p:ext>
     </p:extLst>
   </p:cSld>
@@ -7751,7 +7751,7 @@
     </p:spTree>
     <p:extLst>
       <p:ext uri="{BB962C8B-B14F-4D97-AF65-F5344CB8AC3E}">
-        <p14:creationId xmlns:p14="http://schemas.microsoft.com/office/powerpoint/2010/main" xmlns="" val="3341734110"/>
+        <p14:creationId xmlns:p14="http://schemas.microsoft.com/office/powerpoint/2010/main" val="3341734110"/>
       </p:ext>
     </p:extLst>
   </p:cSld>
@@ -8081,7 +8081,7 @@
           <p:nvPr>
             <p:extLst>
               <p:ext uri="{D42A27DB-BD31-4B8C-83A1-F6EECF244321}">
-                <p14:modId xmlns:p14="http://schemas.microsoft.com/office/powerpoint/2010/main" xmlns="" val="4169796392"/>
+                <p14:modId xmlns:p14="http://schemas.microsoft.com/office/powerpoint/2010/main" val="4169796392"/>
               </p:ext>
             </p:extLst>
           </p:nvPr>
@@ -9882,7 +9882,7 @@
     </p:spTree>
     <p:extLst>
       <p:ext uri="{BB962C8B-B14F-4D97-AF65-F5344CB8AC3E}">
-        <p14:creationId xmlns:p14="http://schemas.microsoft.com/office/powerpoint/2010/main" xmlns="" val="1991842810"/>
+        <p14:creationId xmlns:p14="http://schemas.microsoft.com/office/powerpoint/2010/main" val="1991842810"/>
       </p:ext>
     </p:extLst>
   </p:cSld>
@@ -10019,7 +10019,7 @@
     </p:spTree>
     <p:extLst>
       <p:ext uri="{BB962C8B-B14F-4D97-AF65-F5344CB8AC3E}">
-        <p14:creationId xmlns:p14="http://schemas.microsoft.com/office/powerpoint/2010/main" xmlns="" val="3601048402"/>
+        <p14:creationId xmlns:p14="http://schemas.microsoft.com/office/powerpoint/2010/main" val="3601048402"/>
       </p:ext>
     </p:extLst>
   </p:cSld>
@@ -10168,7 +10168,7 @@
     </p:spTree>
     <p:extLst>
       <p:ext uri="{BB962C8B-B14F-4D97-AF65-F5344CB8AC3E}">
-        <p14:creationId xmlns:p14="http://schemas.microsoft.com/office/powerpoint/2010/main" xmlns="" val="1425115574"/>
+        <p14:creationId xmlns:p14="http://schemas.microsoft.com/office/powerpoint/2010/main" val="1425115574"/>
       </p:ext>
     </p:extLst>
   </p:cSld>
@@ -10313,7 +10313,7 @@
     </p:spTree>
     <p:extLst>
       <p:ext uri="{BB962C8B-B14F-4D97-AF65-F5344CB8AC3E}">
-        <p14:creationId xmlns:p14="http://schemas.microsoft.com/office/powerpoint/2010/main" xmlns="" val="3601048402"/>
+        <p14:creationId xmlns:p14="http://schemas.microsoft.com/office/powerpoint/2010/main" val="3601048402"/>
       </p:ext>
     </p:extLst>
   </p:cSld>
@@ -10458,7 +10458,7 @@
     </p:spTree>
     <p:extLst>
       <p:ext uri="{BB962C8B-B14F-4D97-AF65-F5344CB8AC3E}">
-        <p14:creationId xmlns:p14="http://schemas.microsoft.com/office/powerpoint/2010/main" xmlns="" val="1044979482"/>
+        <p14:creationId xmlns:p14="http://schemas.microsoft.com/office/powerpoint/2010/main" val="1044979482"/>
       </p:ext>
     </p:extLst>
   </p:cSld>
@@ -10603,7 +10603,7 @@
     </p:spTree>
     <p:extLst>
       <p:ext uri="{BB962C8B-B14F-4D97-AF65-F5344CB8AC3E}">
-        <p14:creationId xmlns:p14="http://schemas.microsoft.com/office/powerpoint/2010/main" xmlns="" val="3601048402"/>
+        <p14:creationId xmlns:p14="http://schemas.microsoft.com/office/powerpoint/2010/main" val="3601048402"/>
       </p:ext>
     </p:extLst>
   </p:cSld>
@@ -10748,7 +10748,7 @@
     </p:spTree>
     <p:extLst>
       <p:ext uri="{BB962C8B-B14F-4D97-AF65-F5344CB8AC3E}">
-        <p14:creationId xmlns:p14="http://schemas.microsoft.com/office/powerpoint/2010/main" xmlns="" val="2374180312"/>
+        <p14:creationId xmlns:p14="http://schemas.microsoft.com/office/powerpoint/2010/main" val="2374180312"/>
       </p:ext>
     </p:extLst>
   </p:cSld>
@@ -10843,14 +10843,17 @@
           <a:p>
             <a:r>
               <a:rPr lang="en-US" dirty="0" smtClean="0"/>
+              <a:t>Billing</a:t>
+            </a:r>
+          </a:p>
+          <a:p>
+            <a:r>
+              <a:rPr lang="en-US" dirty="0"/>
               <a:t>Scheduling</a:t>
             </a:r>
           </a:p>
           <a:p>
-            <a:r>
-              <a:rPr lang="en-US" dirty="0" smtClean="0"/>
-              <a:t>Billing</a:t>
-            </a:r>
+            <a:endParaRPr lang="en-US" dirty="0" smtClean="0"/>
           </a:p>
         </p:txBody>
       </p:sp>
@@ -10881,7 +10884,7 @@
     </p:spTree>
     <p:extLst>
       <p:ext uri="{BB962C8B-B14F-4D97-AF65-F5344CB8AC3E}">
-        <p14:creationId xmlns:p14="http://schemas.microsoft.com/office/powerpoint/2010/main" xmlns="" val="838631543"/>
+        <p14:creationId xmlns:p14="http://schemas.microsoft.com/office/powerpoint/2010/main" val="838631543"/>
       </p:ext>
     </p:extLst>
   </p:cSld>
@@ -11026,7 +11029,7 @@
     </p:spTree>
     <p:extLst>
       <p:ext uri="{BB962C8B-B14F-4D97-AF65-F5344CB8AC3E}">
-        <p14:creationId xmlns:p14="http://schemas.microsoft.com/office/powerpoint/2010/main" xmlns="" val="3601048402"/>
+        <p14:creationId xmlns:p14="http://schemas.microsoft.com/office/powerpoint/2010/main" val="3601048402"/>
       </p:ext>
     </p:extLst>
   </p:cSld>
@@ -11171,7 +11174,7 @@
     </p:spTree>
     <p:extLst>
       <p:ext uri="{BB962C8B-B14F-4D97-AF65-F5344CB8AC3E}">
-        <p14:creationId xmlns:p14="http://schemas.microsoft.com/office/powerpoint/2010/main" xmlns="" val="793683035"/>
+        <p14:creationId xmlns:p14="http://schemas.microsoft.com/office/powerpoint/2010/main" val="793683035"/>
       </p:ext>
     </p:extLst>
   </p:cSld>
@@ -11316,7 +11319,7 @@
     </p:spTree>
     <p:extLst>
       <p:ext uri="{BB962C8B-B14F-4D97-AF65-F5344CB8AC3E}">
-        <p14:creationId xmlns:p14="http://schemas.microsoft.com/office/powerpoint/2010/main" xmlns="" val="3601048402"/>
+        <p14:creationId xmlns:p14="http://schemas.microsoft.com/office/powerpoint/2010/main" val="3601048402"/>
       </p:ext>
     </p:extLst>
   </p:cSld>
@@ -11465,7 +11468,7 @@
     </p:spTree>
     <p:extLst>
       <p:ext uri="{BB962C8B-B14F-4D97-AF65-F5344CB8AC3E}">
-        <p14:creationId xmlns:p14="http://schemas.microsoft.com/office/powerpoint/2010/main" xmlns="" val="3406741810"/>
+        <p14:creationId xmlns:p14="http://schemas.microsoft.com/office/powerpoint/2010/main" val="3406741810"/>
       </p:ext>
     </p:extLst>
   </p:cSld>
@@ -11761,8 +11764,13 @@
             </a:r>
             <a:r>
               <a:rPr lang="en-US" dirty="0"/>
-              <a:t>Scheduling System</a:t>
-            </a:r>
+              <a:t>Billing </a:t>
+            </a:r>
+            <a:r>
+              <a:rPr lang="en-US" dirty="0" smtClean="0"/>
+              <a:t>System</a:t>
+            </a:r>
+            <a:endParaRPr lang="en-US" dirty="0"/>
           </a:p>
         </p:txBody>
       </p:sp>
@@ -11811,14 +11819,14 @@
           <p:nvPr>
             <p:extLst>
               <p:ext uri="{D42A27DB-BD31-4B8C-83A1-F6EECF244321}">
-                <p14:modId xmlns:p14="http://schemas.microsoft.com/office/powerpoint/2010/main" xmlns="" val="3284076046"/>
+                <p14:modId xmlns:p14="http://schemas.microsoft.com/office/powerpoint/2010/main" val="3830475467"/>
               </p:ext>
             </p:extLst>
           </p:nvPr>
         </p:nvGraphicFramePr>
         <p:xfrm>
-          <a:off x="609600" y="2590800"/>
-          <a:ext cx="7696200" cy="3276601"/>
+          <a:off x="533400" y="2362200"/>
+          <a:ext cx="7696200" cy="2361625"/>
         </p:xfrm>
         <a:graphic>
           <a:graphicData uri="http://schemas.openxmlformats.org/drawingml/2006/table">
@@ -11829,7 +11837,7 @@
                 <a:gridCol w="2768600"/>
                 <a:gridCol w="2362200"/>
               </a:tblGrid>
-              <a:tr h="1164263">
+              <a:tr h="903250">
                 <a:tc>
                   <a:txBody>
                     <a:bodyPr/>
@@ -12110,7 +12118,7 @@
                   </a:tcPr>
                 </a:tc>
               </a:tr>
-              <a:tr h="1322979">
+              <a:tr h="1026384">
                 <a:tc>
                   <a:txBody>
                     <a:bodyPr/>
@@ -12128,62 +12136,13 @@
                         </a:spcAft>
                       </a:pPr>
                       <a:r>
-                        <a:rPr lang="en-US" sz="1800" dirty="0" smtClean="0">
+                        <a:rPr lang="en-US" sz="1800">
                           <a:effectLst/>
                           <a:latin typeface="Calibri"/>
                           <a:ea typeface="Calibri"/>
                           <a:cs typeface="Vrinda"/>
                         </a:rPr>
-                        <a:t>4.1&gt;Get</a:t>
-                      </a:r>
-                      <a:r>
-                        <a:rPr lang="en-US" sz="1800" baseline="0" dirty="0" smtClean="0">
-                          <a:effectLst/>
-                          <a:latin typeface="Calibri"/>
-                          <a:ea typeface="Calibri"/>
-                          <a:cs typeface="Vrinda"/>
-                        </a:rPr>
-                        <a:t> </a:t>
-                      </a:r>
-                      <a:r>
-                        <a:rPr lang="en-US" sz="1800" dirty="0" smtClean="0">
-                          <a:effectLst/>
-                          <a:latin typeface="Calibri"/>
-                          <a:ea typeface="Calibri"/>
-                          <a:cs typeface="Vrinda"/>
-                        </a:rPr>
-                        <a:t>Active </a:t>
-                      </a:r>
-                      <a:r>
-                        <a:rPr lang="en-US" sz="1800" dirty="0">
-                          <a:effectLst/>
-                          <a:latin typeface="Calibri"/>
-                          <a:ea typeface="Calibri"/>
-                          <a:cs typeface="Vrinda"/>
-                        </a:rPr>
-                        <a:t>Employee List</a:t>
-                      </a:r>
-                    </a:p>
-                    <a:p>
-                      <a:pPr marL="0" marR="0">
-                        <a:lnSpc>
-                          <a:spcPct val="115000"/>
-                        </a:lnSpc>
-                        <a:spcBef>
-                          <a:spcPts val="0"/>
-                        </a:spcBef>
-                        <a:spcAft>
-                          <a:spcPts val="0"/>
-                        </a:spcAft>
-                      </a:pPr>
-                      <a:r>
-                        <a:rPr lang="en-US" sz="1800" dirty="0">
-                          <a:effectLst/>
-                          <a:latin typeface="Calibri"/>
-                          <a:ea typeface="Calibri"/>
-                          <a:cs typeface="Vrinda"/>
-                        </a:rPr>
-                        <a:t> </a:t>
+                        <a:t>5.1&gt;Collect Bill Information </a:t>
                       </a:r>
                     </a:p>
                   </a:txBody>
@@ -12276,8 +12235,32 @@
                           <a:ea typeface="Calibri"/>
                           <a:cs typeface="Vrinda"/>
                         </a:rPr>
-                        <a:t>AD gets the active employee list</a:t>
+                        <a:t>CLK collects all billing information </a:t>
                       </a:r>
+                      <a:r>
+                        <a:rPr lang="en-US" sz="1800" dirty="0" smtClean="0">
+                          <a:effectLst/>
+                          <a:latin typeface="Calibri"/>
+                          <a:ea typeface="Calibri"/>
+                          <a:cs typeface="Vrinda"/>
+                        </a:rPr>
+                        <a:t>from</a:t>
+                      </a:r>
+                      <a:r>
+                        <a:rPr lang="en-US" sz="1800" baseline="0" dirty="0" smtClean="0">
+                          <a:effectLst/>
+                          <a:latin typeface="Calibri"/>
+                          <a:ea typeface="Calibri"/>
+                          <a:cs typeface="Vrinda"/>
+                        </a:rPr>
+                        <a:t> PT account</a:t>
+                      </a:r>
+                      <a:endParaRPr lang="en-US" sz="1800" dirty="0">
+                        <a:effectLst/>
+                        <a:latin typeface="Calibri"/>
+                        <a:ea typeface="Calibri"/>
+                        <a:cs typeface="Vrinda"/>
+                      </a:endParaRPr>
                     </a:p>
                   </a:txBody>
                   <a:tcPr marL="68580" marR="68580" marT="0" marB="0">
@@ -12369,7 +12352,29 @@
                           <a:ea typeface="Calibri"/>
                           <a:cs typeface="Vrinda"/>
                         </a:rPr>
-                        <a:t>AD</a:t>
+                        <a:t>CLK</a:t>
+                      </a:r>
+                    </a:p>
+                    <a:p>
+                      <a:pPr marL="0" marR="0">
+                        <a:lnSpc>
+                          <a:spcPct val="115000"/>
+                        </a:lnSpc>
+                        <a:spcBef>
+                          <a:spcPts val="0"/>
+                        </a:spcBef>
+                        <a:spcAft>
+                          <a:spcPts val="0"/>
+                        </a:spcAft>
+                      </a:pPr>
+                      <a:r>
+                        <a:rPr lang="en-US" sz="1800">
+                          <a:effectLst/>
+                          <a:latin typeface="Calibri"/>
+                          <a:ea typeface="Calibri"/>
+                          <a:cs typeface="Vrinda"/>
+                        </a:rPr>
+                        <a:t> </a:t>
                       </a:r>
                     </a:p>
                   </a:txBody>
@@ -12440,7 +12445,7 @@
                   </a:tcPr>
                 </a:tc>
               </a:tr>
-              <a:tr h="789359">
+              <a:tr h="431991">
                 <a:tc>
                   <a:txBody>
                     <a:bodyPr/>
@@ -12464,47 +12469,7 @@
                           <a:ea typeface="Calibri"/>
                           <a:cs typeface="Vrinda"/>
                         </a:rPr>
-                        <a:t>4</a:t>
-                      </a:r>
-                      <a:r>
-                        <a:rPr lang="en-US" sz="1800" dirty="0" smtClean="0">
-                          <a:effectLst/>
-                          <a:latin typeface="Calibri"/>
-                          <a:ea typeface="Calibri"/>
-                          <a:cs typeface="Vrinda"/>
-                        </a:rPr>
-                        <a:t>.2&gt;Duty </a:t>
-                      </a:r>
-                      <a:r>
-                        <a:rPr lang="en-US" sz="1800" dirty="0">
-                          <a:effectLst/>
-                          <a:latin typeface="Calibri"/>
-                          <a:ea typeface="Calibri"/>
-                          <a:cs typeface="Vrinda"/>
-                        </a:rPr>
-                        <a:t>Schedule</a:t>
-                      </a:r>
-                    </a:p>
-                    <a:p>
-                      <a:pPr marL="0" marR="0">
-                        <a:lnSpc>
-                          <a:spcPct val="115000"/>
-                        </a:lnSpc>
-                        <a:spcBef>
-                          <a:spcPts val="0"/>
-                        </a:spcBef>
-                        <a:spcAft>
-                          <a:spcPts val="0"/>
-                        </a:spcAft>
-                      </a:pPr>
-                      <a:r>
-                        <a:rPr lang="en-US" sz="1800" dirty="0">
-                          <a:effectLst/>
-                          <a:latin typeface="Calibri"/>
-                          <a:ea typeface="Calibri"/>
-                          <a:cs typeface="Vrinda"/>
-                        </a:rPr>
-                        <a:t> </a:t>
+                        <a:t>5.2&gt;Receive bill </a:t>
                       </a:r>
                     </a:p>
                   </a:txBody>
@@ -12597,7 +12562,7 @@
                           <a:ea typeface="Calibri"/>
                           <a:cs typeface="Vrinda"/>
                         </a:rPr>
-                        <a:t>AD specifies duty schedules of all employees</a:t>
+                        <a:t>PT gives total bill to CLK</a:t>
                       </a:r>
                     </a:p>
                   </a:txBody>
@@ -12690,7 +12655,7 @@
                           <a:ea typeface="Calibri"/>
                           <a:cs typeface="Vrinda"/>
                         </a:rPr>
-                        <a:t>AD</a:t>
+                        <a:t>PT,CLK</a:t>
                       </a:r>
                     </a:p>
                   </a:txBody>
@@ -12792,7 +12757,7 @@
     </p:spTree>
     <p:extLst>
       <p:ext uri="{BB962C8B-B14F-4D97-AF65-F5344CB8AC3E}">
-        <p14:creationId xmlns:p14="http://schemas.microsoft.com/office/powerpoint/2010/main" xmlns="" val="2234090183"/>
+        <p14:creationId xmlns:p14="http://schemas.microsoft.com/office/powerpoint/2010/main" val="3367042605"/>
       </p:ext>
     </p:extLst>
   </p:cSld>
@@ -12851,7 +12816,7 @@
             <a:pPr algn="ctr"/>
             <a:r>
               <a:rPr lang="en-US" sz="3400" dirty="0" smtClean="0"/>
-              <a:t>Sequence Diagram 4.1: Active Employee List</a:t>
+              <a:t>Sequence Diagram 4.1:Collect Bill Information</a:t>
             </a:r>
             <a:endParaRPr lang="en-US" sz="3400" dirty="0"/>
           </a:p>
@@ -12912,7 +12877,7 @@
       </p:sp>
       <p:pic>
         <p:nvPicPr>
-          <p:cNvPr id="7" name="Picture 6"/>
+          <p:cNvPr id="6" name="Picture 5"/>
           <p:cNvPicPr>
             <a:picLocks noChangeAspect="1"/>
           </p:cNvPicPr>
@@ -12926,8 +12891,8 @@
         </p:blipFill>
         <p:spPr>
           <a:xfrm>
-            <a:off x="762000" y="1295400"/>
-            <a:ext cx="7543800" cy="5181600"/>
+            <a:off x="609600" y="1295400"/>
+            <a:ext cx="8000999" cy="5257800"/>
           </a:xfrm>
           <a:prstGeom prst="rect">
             <a:avLst/>
@@ -12937,7 +12902,7 @@
     </p:spTree>
     <p:extLst>
       <p:ext uri="{BB962C8B-B14F-4D97-AF65-F5344CB8AC3E}">
-        <p14:creationId xmlns:p14="http://schemas.microsoft.com/office/powerpoint/2010/main" xmlns="" val="4196486782"/>
+        <p14:creationId xmlns:p14="http://schemas.microsoft.com/office/powerpoint/2010/main" val="3608300950"/>
       </p:ext>
     </p:extLst>
   </p:cSld>
@@ -12984,7 +12949,7 @@
         <p:spPr>
           <a:xfrm>
             <a:off x="457200" y="228600"/>
-            <a:ext cx="8229600" cy="762000"/>
+            <a:ext cx="8229600" cy="1143000"/>
           </a:xfrm>
         </p:spPr>
         <p:txBody>
@@ -13000,38 +12965,9 @@
             </a:r>
             <a:r>
               <a:rPr lang="en-US" sz="3400" dirty="0" smtClean="0"/>
-              <a:t> 4.1: Active Employee List</a:t>
+              <a:t> 4.1:Collect Bill Information</a:t>
             </a:r>
             <a:endParaRPr lang="en-US" sz="3400" dirty="0"/>
-          </a:p>
-        </p:txBody>
-      </p:sp>
-      <p:sp>
-        <p:nvSpPr>
-          <p:cNvPr id="3" name="Subtitle 2"/>
-          <p:cNvSpPr>
-            <a:spLocks noGrp="1"/>
-          </p:cNvSpPr>
-          <p:nvPr>
-            <p:ph type="subTitle" idx="1"/>
-          </p:nvPr>
-        </p:nvSpPr>
-        <p:spPr>
-          <a:xfrm>
-            <a:off x="1390436" y="5840896"/>
-            <a:ext cx="6560234" cy="1000539"/>
-          </a:xfrm>
-        </p:spPr>
-        <p:txBody>
-          <a:bodyPr/>
-          <a:lstStyle/>
-          <a:p>
-            <a:pPr algn="ctr"/>
-            <a:r>
-              <a:rPr lang="en-US" dirty="0" smtClean="0"/>
-              <a:t>Fig: Activity Diagram</a:t>
-            </a:r>
-            <a:endParaRPr lang="en-US" dirty="0"/>
           </a:p>
         </p:txBody>
       </p:sp>
@@ -13075,18 +13011,37 @@
         </p:blipFill>
         <p:spPr>
           <a:xfrm>
-            <a:off x="1233260" y="1219200"/>
-            <a:ext cx="6448879" cy="4572000"/>
+            <a:off x="1528735" y="1371600"/>
+            <a:ext cx="6238930" cy="4343400"/>
           </a:xfrm>
           <a:prstGeom prst="rect">
             <a:avLst/>
           </a:prstGeom>
         </p:spPr>
       </p:pic>
+      <p:sp>
+        <p:nvSpPr>
+          <p:cNvPr id="6" name="Subtitle 5"/>
+          <p:cNvSpPr>
+            <a:spLocks noGrp="1"/>
+          </p:cNvSpPr>
+          <p:nvPr>
+            <p:ph type="subTitle" idx="1"/>
+          </p:nvPr>
+        </p:nvSpPr>
+        <p:spPr/>
+        <p:txBody>
+          <a:bodyPr/>
+          <a:lstStyle/>
+          <a:p>
+            <a:endParaRPr lang="en-US"/>
+          </a:p>
+        </p:txBody>
+      </p:sp>
     </p:spTree>
     <p:extLst>
       <p:ext uri="{BB962C8B-B14F-4D97-AF65-F5344CB8AC3E}">
-        <p14:creationId xmlns:p14="http://schemas.microsoft.com/office/powerpoint/2010/main" xmlns="" val="2988678334"/>
+        <p14:creationId xmlns:p14="http://schemas.microsoft.com/office/powerpoint/2010/main" val="1462616443"/>
       </p:ext>
     </p:extLst>
   </p:cSld>
@@ -13145,7 +13100,7 @@
             <a:pPr algn="ctr"/>
             <a:r>
               <a:rPr lang="en-US" sz="3400" dirty="0" smtClean="0"/>
-              <a:t>Sequence Diagram 4.2: Duty Schedule</a:t>
+              <a:t>Sequence Diagram 4.2: Receive Bill</a:t>
             </a:r>
             <a:endParaRPr lang="en-US" sz="3400" dirty="0"/>
           </a:p>
@@ -13206,7 +13161,7 @@
       </p:sp>
       <p:pic>
         <p:nvPicPr>
-          <p:cNvPr id="5" name="Picture 4"/>
+          <p:cNvPr id="9" name="Picture 8"/>
           <p:cNvPicPr>
             <a:picLocks noChangeAspect="1"/>
           </p:cNvPicPr>
@@ -13220,8 +13175,8 @@
         </p:blipFill>
         <p:spPr>
           <a:xfrm>
-            <a:off x="762000" y="1371600"/>
-            <a:ext cx="7543800" cy="5105400"/>
+            <a:off x="1143001" y="1371600"/>
+            <a:ext cx="6858000" cy="5181600"/>
           </a:xfrm>
           <a:prstGeom prst="rect">
             <a:avLst/>
@@ -13231,7 +13186,7 @@
     </p:spTree>
     <p:extLst>
       <p:ext uri="{BB962C8B-B14F-4D97-AF65-F5344CB8AC3E}">
-        <p14:creationId xmlns:p14="http://schemas.microsoft.com/office/powerpoint/2010/main" xmlns="" val="4196486782"/>
+        <p14:creationId xmlns:p14="http://schemas.microsoft.com/office/powerpoint/2010/main" val="3608300950"/>
       </p:ext>
     </p:extLst>
   </p:cSld>
@@ -13348,7 +13303,7 @@
           <p:nvPr>
             <p:extLst>
               <p:ext uri="{D42A27DB-BD31-4B8C-83A1-F6EECF244321}">
-                <p14:modId xmlns:p14="http://schemas.microsoft.com/office/powerpoint/2010/main" xmlns="" val="4057272712"/>
+                <p14:modId xmlns:p14="http://schemas.microsoft.com/office/powerpoint/2010/main" val="4057272712"/>
               </p:ext>
             </p:extLst>
           </p:nvPr>
@@ -14273,7 +14228,7 @@
     </p:spTree>
     <p:extLst>
       <p:ext uri="{BB962C8B-B14F-4D97-AF65-F5344CB8AC3E}">
-        <p14:creationId xmlns:p14="http://schemas.microsoft.com/office/powerpoint/2010/main" xmlns="" val="3400934000"/>
+        <p14:creationId xmlns:p14="http://schemas.microsoft.com/office/powerpoint/2010/main" val="3400934000"/>
       </p:ext>
     </p:extLst>
   </p:cSld>
@@ -14332,34 +14287,9 @@
             <a:pPr algn="ctr"/>
             <a:r>
               <a:rPr lang="en-US" sz="3400" dirty="0" smtClean="0"/>
-              <a:t>Activity Diagram 4.2: Duty Schedule</a:t>
+              <a:t>Activity Diagram 4.2: Receive Bill</a:t>
             </a:r>
             <a:endParaRPr lang="en-US" sz="3400" dirty="0"/>
-          </a:p>
-        </p:txBody>
-      </p:sp>
-      <p:sp>
-        <p:nvSpPr>
-          <p:cNvPr id="3" name="Subtitle 2"/>
-          <p:cNvSpPr>
-            <a:spLocks noGrp="1"/>
-          </p:cNvSpPr>
-          <p:nvPr>
-            <p:ph type="subTitle" idx="1"/>
-          </p:nvPr>
-        </p:nvSpPr>
-        <p:spPr>
-          <a:xfrm>
-            <a:off x="1390436" y="5840896"/>
-            <a:ext cx="6560234" cy="1000539"/>
-          </a:xfrm>
-        </p:spPr>
-        <p:txBody>
-          <a:bodyPr/>
-          <a:lstStyle/>
-          <a:p>
-            <a:pPr algn="ctr"/>
-            <a:endParaRPr lang="en-US" dirty="0"/>
           </a:p>
         </p:txBody>
       </p:sp>
@@ -14389,7 +14319,7 @@
       </p:sp>
       <p:pic>
         <p:nvPicPr>
-          <p:cNvPr id="7" name="Picture 6" descr="4.2.jpg"/>
+          <p:cNvPr id="7" name="Picture 6"/>
           <p:cNvPicPr>
             <a:picLocks noChangeAspect="1"/>
           </p:cNvPicPr>
@@ -14403,18 +14333,37 @@
         </p:blipFill>
         <p:spPr>
           <a:xfrm>
-            <a:off x="2219324" y="1804987"/>
-            <a:ext cx="5629275" cy="3910013"/>
+            <a:off x="1905000" y="1447800"/>
+            <a:ext cx="5410200" cy="4495800"/>
           </a:xfrm>
           <a:prstGeom prst="rect">
             <a:avLst/>
           </a:prstGeom>
         </p:spPr>
       </p:pic>
+      <p:sp>
+        <p:nvSpPr>
+          <p:cNvPr id="6" name="Subtitle 5"/>
+          <p:cNvSpPr>
+            <a:spLocks noGrp="1"/>
+          </p:cNvSpPr>
+          <p:nvPr>
+            <p:ph type="subTitle" idx="1"/>
+          </p:nvPr>
+        </p:nvSpPr>
+        <p:spPr/>
+        <p:txBody>
+          <a:bodyPr/>
+          <a:lstStyle/>
+          <a:p>
+            <a:endParaRPr lang="en-US"/>
+          </a:p>
+        </p:txBody>
+      </p:sp>
     </p:spTree>
     <p:extLst>
       <p:ext uri="{BB962C8B-B14F-4D97-AF65-F5344CB8AC3E}">
-        <p14:creationId xmlns:p14="http://schemas.microsoft.com/office/powerpoint/2010/main" xmlns="" val="4022827824"/>
+        <p14:creationId xmlns:p14="http://schemas.microsoft.com/office/powerpoint/2010/main" val="3712007351"/>
       </p:ext>
     </p:extLst>
   </p:cSld>
@@ -14458,6 +14407,119 @@
             <p:ph type="title"/>
           </p:nvPr>
         </p:nvSpPr>
+        <p:spPr/>
+        <p:txBody>
+          <a:bodyPr>
+            <a:normAutofit fontScale="90000"/>
+          </a:bodyPr>
+          <a:lstStyle/>
+          <a:p>
+            <a:pPr algn="l"/>
+            <a:r>
+              <a:rPr lang="en-US" dirty="0" smtClean="0"/>
+              <a:t>State Diagram of </a:t>
+            </a:r>
+            <a:r>
+              <a:rPr lang="en-US" dirty="0" err="1" smtClean="0"/>
+              <a:t>PrepareBill</a:t>
+            </a:r>
+            <a:r>
+              <a:rPr lang="en-US" dirty="0" smtClean="0"/>
+              <a:t> Class</a:t>
+            </a:r>
+            <a:endParaRPr lang="en-US" dirty="0"/>
+          </a:p>
+        </p:txBody>
+      </p:sp>
+      <p:pic>
+        <p:nvPicPr>
+          <p:cNvPr id="5" name="Content Placeholder 4" descr="5.1.png"/>
+          <p:cNvPicPr>
+            <a:picLocks noGrp="1" noChangeAspect="1"/>
+          </p:cNvPicPr>
+          <p:nvPr>
+            <p:ph idx="1"/>
+          </p:nvPr>
+        </p:nvPicPr>
+        <p:blipFill>
+          <a:blip r:embed="rId2"/>
+          <a:stretch>
+            <a:fillRect/>
+          </a:stretch>
+        </p:blipFill>
+        <p:spPr>
+          <a:xfrm>
+            <a:off x="2286000" y="1646238"/>
+            <a:ext cx="4495799" cy="4830762"/>
+          </a:xfrm>
+        </p:spPr>
+      </p:pic>
+      <p:sp>
+        <p:nvSpPr>
+          <p:cNvPr id="4" name="Slide Number Placeholder 3"/>
+          <p:cNvSpPr>
+            <a:spLocks noGrp="1"/>
+          </p:cNvSpPr>
+          <p:nvPr>
+            <p:ph type="sldNum" sz="quarter" idx="12"/>
+          </p:nvPr>
+        </p:nvSpPr>
+        <p:spPr/>
+        <p:txBody>
+          <a:bodyPr/>
+          <a:lstStyle/>
+          <a:p>
+            <a:fld id="{E396CFFB-088C-4159-8D69-48E3763E7900}" type="slidenum">
+              <a:rPr lang="en-US" smtClean="0"/>
+              <a:pPr/>
+              <a:t>41</a:t>
+            </a:fld>
+            <a:endParaRPr lang="en-US"/>
+          </a:p>
+        </p:txBody>
+      </p:sp>
+    </p:spTree>
+  </p:cSld>
+  <p:clrMapOvr>
+    <a:masterClrMapping/>
+  </p:clrMapOvr>
+  <p:timing>
+    <p:tnLst>
+      <p:par>
+        <p:cTn id="1" dur="indefinite" restart="never" nodeType="tmRoot"/>
+      </p:par>
+    </p:tnLst>
+  </p:timing>
+</p:sld>
+</file>
+
+<file path=ppt/slides/slide42.xml><?xml version="1.0" encoding="utf-8"?>
+<p:sld xmlns:a="http://schemas.openxmlformats.org/drawingml/2006/main" xmlns:r="http://schemas.openxmlformats.org/officeDocument/2006/relationships" xmlns:p="http://schemas.openxmlformats.org/presentationml/2006/main">
+  <p:cSld>
+    <p:spTree>
+      <p:nvGrpSpPr>
+        <p:cNvPr id="1" name=""/>
+        <p:cNvGrpSpPr/>
+        <p:nvPr/>
+      </p:nvGrpSpPr>
+      <p:grpSpPr>
+        <a:xfrm>
+          <a:off x="0" y="0"/>
+          <a:ext cx="0" cy="0"/>
+          <a:chOff x="0" y="0"/>
+          <a:chExt cx="0" cy="0"/>
+        </a:xfrm>
+      </p:grpSpPr>
+      <p:sp>
+        <p:nvSpPr>
+          <p:cNvPr id="2" name="Title 1"/>
+          <p:cNvSpPr>
+            <a:spLocks noGrp="1"/>
+          </p:cNvSpPr>
+          <p:nvPr>
+            <p:ph type="title"/>
+          </p:nvPr>
+        </p:nvSpPr>
         <p:spPr>
           <a:xfrm>
             <a:off x="457200" y="-12879"/>
@@ -14485,13 +14547,8 @@
             </a:r>
             <a:r>
               <a:rPr lang="en-US" dirty="0"/>
-              <a:t>Billing </a:t>
-            </a:r>
-            <a:r>
-              <a:rPr lang="en-US" dirty="0" smtClean="0"/>
-              <a:t>System</a:t>
-            </a:r>
-            <a:endParaRPr lang="en-US" dirty="0"/>
+              <a:t>Scheduling System</a:t>
+            </a:r>
           </a:p>
         </p:txBody>
       </p:sp>
@@ -14507,7 +14564,7 @@
         </p:nvSpPr>
         <p:spPr>
           <a:xfrm>
-            <a:off x="381000" y="1447800"/>
+            <a:off x="381000" y="1524000"/>
             <a:ext cx="8229600" cy="5638800"/>
           </a:xfrm>
         </p:spPr>
@@ -14540,14 +14597,14 @@
           <p:nvPr>
             <p:extLst>
               <p:ext uri="{D42A27DB-BD31-4B8C-83A1-F6EECF244321}">
-                <p14:modId xmlns:p14="http://schemas.microsoft.com/office/powerpoint/2010/main" xmlns="" val="2274438000"/>
+                <p14:modId xmlns:p14="http://schemas.microsoft.com/office/powerpoint/2010/main" val="3462916147"/>
               </p:ext>
             </p:extLst>
           </p:nvPr>
         </p:nvGraphicFramePr>
         <p:xfrm>
-          <a:off x="533400" y="2362200"/>
-          <a:ext cx="7696200" cy="2361625"/>
+          <a:off x="609600" y="2590800"/>
+          <a:ext cx="7696200" cy="3433646"/>
         </p:xfrm>
         <a:graphic>
           <a:graphicData uri="http://schemas.openxmlformats.org/drawingml/2006/table">
@@ -14558,7 +14615,7 @@
                 <a:gridCol w="2768600"/>
                 <a:gridCol w="2362200"/>
               </a:tblGrid>
-              <a:tr h="903250">
+              <a:tr h="1164263">
                 <a:tc>
                   <a:txBody>
                     <a:bodyPr/>
@@ -14839,7 +14896,266 @@
                   </a:tcPr>
                 </a:tc>
               </a:tr>
-              <a:tr h="1026384">
+              <a:tr h="1322979">
+                <a:tc>
+                  <a:txBody>
+                    <a:bodyPr/>
+                    <a:lstStyle/>
+                    <a:p>
+                      <a:pPr marL="0" marR="0">
+                        <a:lnSpc>
+                          <a:spcPct val="115000"/>
+                        </a:lnSpc>
+                        <a:spcBef>
+                          <a:spcPts val="0"/>
+                        </a:spcBef>
+                        <a:spcAft>
+                          <a:spcPts val="0"/>
+                        </a:spcAft>
+                      </a:pPr>
+                      <a:r>
+                        <a:rPr lang="en-US" sz="1800" dirty="0" smtClean="0">
+                          <a:effectLst/>
+                          <a:latin typeface="Calibri"/>
+                          <a:ea typeface="Calibri"/>
+                          <a:cs typeface="Vrinda"/>
+                        </a:rPr>
+                        <a:t>5.1&gt;Get</a:t>
+                      </a:r>
+                      <a:r>
+                        <a:rPr lang="en-US" sz="1800" baseline="0" dirty="0" smtClean="0">
+                          <a:effectLst/>
+                          <a:latin typeface="Calibri"/>
+                          <a:ea typeface="Calibri"/>
+                          <a:cs typeface="Vrinda"/>
+                        </a:rPr>
+                        <a:t> </a:t>
+                      </a:r>
+                      <a:r>
+                        <a:rPr lang="en-US" sz="1800" dirty="0" smtClean="0">
+                          <a:effectLst/>
+                          <a:latin typeface="Calibri"/>
+                          <a:ea typeface="Calibri"/>
+                          <a:cs typeface="Vrinda"/>
+                        </a:rPr>
+                        <a:t>Active </a:t>
+                      </a:r>
+                      <a:r>
+                        <a:rPr lang="en-US" sz="1800" dirty="0">
+                          <a:effectLst/>
+                          <a:latin typeface="Calibri"/>
+                          <a:ea typeface="Calibri"/>
+                          <a:cs typeface="Vrinda"/>
+                        </a:rPr>
+                        <a:t>Employee List</a:t>
+                      </a:r>
+                    </a:p>
+                    <a:p>
+                      <a:pPr marL="0" marR="0">
+                        <a:lnSpc>
+                          <a:spcPct val="115000"/>
+                        </a:lnSpc>
+                        <a:spcBef>
+                          <a:spcPts val="0"/>
+                        </a:spcBef>
+                        <a:spcAft>
+                          <a:spcPts val="0"/>
+                        </a:spcAft>
+                      </a:pPr>
+                      <a:r>
+                        <a:rPr lang="en-US" sz="1800" dirty="0">
+                          <a:effectLst/>
+                          <a:latin typeface="Calibri"/>
+                          <a:ea typeface="Calibri"/>
+                          <a:cs typeface="Vrinda"/>
+                        </a:rPr>
+                        <a:t> </a:t>
+                      </a:r>
+                    </a:p>
+                  </a:txBody>
+                  <a:tcPr marL="68580" marR="68580" marT="0" marB="0">
+                    <a:lnL w="12700" cap="flat" cmpd="sng" algn="ctr">
+                      <a:solidFill>
+                        <a:schemeClr val="tx1"/>
+                      </a:solidFill>
+                      <a:prstDash val="solid"/>
+                      <a:round/>
+                      <a:headEnd type="none" w="med" len="med"/>
+                      <a:tailEnd type="none" w="med" len="med"/>
+                    </a:lnL>
+                    <a:lnR w="12700" cap="flat" cmpd="sng" algn="ctr">
+                      <a:solidFill>
+                        <a:schemeClr val="tx1"/>
+                      </a:solidFill>
+                      <a:prstDash val="solid"/>
+                      <a:round/>
+                      <a:headEnd type="none" w="med" len="med"/>
+                      <a:tailEnd type="none" w="med" len="med"/>
+                    </a:lnR>
+                    <a:lnT w="12700" cap="flat" cmpd="sng" algn="ctr">
+                      <a:solidFill>
+                        <a:schemeClr val="tx1"/>
+                      </a:solidFill>
+                      <a:prstDash val="solid"/>
+                      <a:round/>
+                      <a:headEnd type="none" w="med" len="med"/>
+                      <a:tailEnd type="none" w="med" len="med"/>
+                    </a:lnT>
+                    <a:lnB w="12700" cap="flat" cmpd="sng" algn="ctr">
+                      <a:solidFill>
+                        <a:schemeClr val="tx1"/>
+                      </a:solidFill>
+                      <a:prstDash val="solid"/>
+                      <a:round/>
+                      <a:headEnd type="none" w="med" len="med"/>
+                      <a:tailEnd type="none" w="med" len="med"/>
+                    </a:lnB>
+                    <a:gradFill flip="none" rotWithShape="1">
+                      <a:gsLst>
+                        <a:gs pos="0">
+                          <a:schemeClr val="accent5">
+                            <a:lumMod val="75000"/>
+                            <a:shade val="30000"/>
+                            <a:satMod val="115000"/>
+                          </a:schemeClr>
+                        </a:gs>
+                        <a:gs pos="50000">
+                          <a:schemeClr val="accent5">
+                            <a:lumMod val="75000"/>
+                            <a:shade val="67500"/>
+                            <a:satMod val="115000"/>
+                          </a:schemeClr>
+                        </a:gs>
+                        <a:gs pos="100000">
+                          <a:schemeClr val="accent5">
+                            <a:lumMod val="75000"/>
+                            <a:shade val="100000"/>
+                            <a:satMod val="115000"/>
+                          </a:schemeClr>
+                        </a:gs>
+                      </a:gsLst>
+                      <a:lin ang="2700000" scaled="1"/>
+                      <a:tileRect/>
+                    </a:gradFill>
+                  </a:tcPr>
+                </a:tc>
+                <a:tc>
+                  <a:txBody>
+                    <a:bodyPr/>
+                    <a:lstStyle/>
+                    <a:p>
+                      <a:pPr marL="0" marR="0">
+                        <a:lnSpc>
+                          <a:spcPct val="115000"/>
+                        </a:lnSpc>
+                        <a:spcBef>
+                          <a:spcPts val="0"/>
+                        </a:spcBef>
+                        <a:spcAft>
+                          <a:spcPts val="0"/>
+                        </a:spcAft>
+                      </a:pPr>
+                      <a:r>
+                        <a:rPr lang="en-US" sz="1800" dirty="0" smtClean="0">
+                          <a:effectLst/>
+                          <a:latin typeface="Calibri"/>
+                          <a:ea typeface="Calibri"/>
+                          <a:cs typeface="Vrinda"/>
+                        </a:rPr>
+                        <a:t>Scheduling</a:t>
+                      </a:r>
+                      <a:r>
+                        <a:rPr lang="en-US" sz="1800" baseline="0" dirty="0" smtClean="0">
+                          <a:effectLst/>
+                          <a:latin typeface="Calibri"/>
+                          <a:ea typeface="Calibri"/>
+                          <a:cs typeface="Vrinda"/>
+                        </a:rPr>
+                        <a:t> Subsystem</a:t>
+                      </a:r>
+                      <a:r>
+                        <a:rPr lang="en-US" sz="1800" dirty="0" smtClean="0">
+                          <a:effectLst/>
+                          <a:latin typeface="Calibri"/>
+                          <a:ea typeface="Calibri"/>
+                          <a:cs typeface="Vrinda"/>
+                        </a:rPr>
+                        <a:t> gets the active employee list</a:t>
+                      </a:r>
+                      <a:endParaRPr lang="en-US" sz="1800" dirty="0">
+                        <a:effectLst/>
+                        <a:latin typeface="Calibri"/>
+                        <a:ea typeface="Calibri"/>
+                        <a:cs typeface="Vrinda"/>
+                      </a:endParaRPr>
+                    </a:p>
+                  </a:txBody>
+                  <a:tcPr marL="68580" marR="68580" marT="0" marB="0">
+                    <a:lnL w="12700" cap="flat" cmpd="sng" algn="ctr">
+                      <a:solidFill>
+                        <a:schemeClr val="tx1"/>
+                      </a:solidFill>
+                      <a:prstDash val="solid"/>
+                      <a:round/>
+                      <a:headEnd type="none" w="med" len="med"/>
+                      <a:tailEnd type="none" w="med" len="med"/>
+                    </a:lnL>
+                    <a:lnR w="12700" cap="flat" cmpd="sng" algn="ctr">
+                      <a:solidFill>
+                        <a:schemeClr val="tx1"/>
+                      </a:solidFill>
+                      <a:prstDash val="solid"/>
+                      <a:round/>
+                      <a:headEnd type="none" w="med" len="med"/>
+                      <a:tailEnd type="none" w="med" len="med"/>
+                    </a:lnR>
+                    <a:lnT w="12700" cap="flat" cmpd="sng" algn="ctr">
+                      <a:solidFill>
+                        <a:schemeClr val="tx1"/>
+                      </a:solidFill>
+                      <a:prstDash val="solid"/>
+                      <a:round/>
+                      <a:headEnd type="none" w="med" len="med"/>
+                      <a:tailEnd type="none" w="med" len="med"/>
+                    </a:lnT>
+                    <a:lnB w="12700" cap="flat" cmpd="sng" algn="ctr">
+                      <a:solidFill>
+                        <a:schemeClr val="tx1"/>
+                      </a:solidFill>
+                      <a:prstDash val="solid"/>
+                      <a:round/>
+                      <a:headEnd type="none" w="med" len="med"/>
+                      <a:tailEnd type="none" w="med" len="med"/>
+                    </a:lnB>
+                    <a:gradFill flip="none" rotWithShape="1">
+                      <a:gsLst>
+                        <a:gs pos="0">
+                          <a:schemeClr val="accent5">
+                            <a:lumMod val="75000"/>
+                            <a:shade val="30000"/>
+                            <a:satMod val="115000"/>
+                          </a:schemeClr>
+                        </a:gs>
+                        <a:gs pos="50000">
+                          <a:schemeClr val="accent5">
+                            <a:lumMod val="75000"/>
+                            <a:shade val="67500"/>
+                            <a:satMod val="115000"/>
+                          </a:schemeClr>
+                        </a:gs>
+                        <a:gs pos="100000">
+                          <a:schemeClr val="accent5">
+                            <a:lumMod val="75000"/>
+                            <a:shade val="100000"/>
+                            <a:satMod val="115000"/>
+                          </a:schemeClr>
+                        </a:gs>
+                      </a:gsLst>
+                      <a:lin ang="2700000" scaled="1"/>
+                      <a:tileRect/>
+                    </a:gradFill>
+                  </a:tcPr>
+                </a:tc>
                 <a:tc>
                   <a:txBody>
                     <a:bodyPr/>
@@ -14863,8 +15179,242 @@
                           <a:ea typeface="Calibri"/>
                           <a:cs typeface="Vrinda"/>
                         </a:rPr>
-                        <a:t>5.1&gt;Collect Bill Information </a:t>
+                        <a:t>AD</a:t>
                       </a:r>
+                    </a:p>
+                  </a:txBody>
+                  <a:tcPr marL="68580" marR="68580" marT="0" marB="0">
+                    <a:lnL w="12700" cap="flat" cmpd="sng" algn="ctr">
+                      <a:solidFill>
+                        <a:schemeClr val="tx1"/>
+                      </a:solidFill>
+                      <a:prstDash val="solid"/>
+                      <a:round/>
+                      <a:headEnd type="none" w="med" len="med"/>
+                      <a:tailEnd type="none" w="med" len="med"/>
+                    </a:lnL>
+                    <a:lnR w="12700" cap="flat" cmpd="sng" algn="ctr">
+                      <a:solidFill>
+                        <a:schemeClr val="tx1"/>
+                      </a:solidFill>
+                      <a:prstDash val="solid"/>
+                      <a:round/>
+                      <a:headEnd type="none" w="med" len="med"/>
+                      <a:tailEnd type="none" w="med" len="med"/>
+                    </a:lnR>
+                    <a:lnT w="12700" cap="flat" cmpd="sng" algn="ctr">
+                      <a:solidFill>
+                        <a:schemeClr val="tx1"/>
+                      </a:solidFill>
+                      <a:prstDash val="solid"/>
+                      <a:round/>
+                      <a:headEnd type="none" w="med" len="med"/>
+                      <a:tailEnd type="none" w="med" len="med"/>
+                    </a:lnT>
+                    <a:lnB w="12700" cap="flat" cmpd="sng" algn="ctr">
+                      <a:solidFill>
+                        <a:schemeClr val="tx1"/>
+                      </a:solidFill>
+                      <a:prstDash val="solid"/>
+                      <a:round/>
+                      <a:headEnd type="none" w="med" len="med"/>
+                      <a:tailEnd type="none" w="med" len="med"/>
+                    </a:lnB>
+                    <a:gradFill flip="none" rotWithShape="1">
+                      <a:gsLst>
+                        <a:gs pos="0">
+                          <a:schemeClr val="accent5">
+                            <a:lumMod val="75000"/>
+                            <a:shade val="30000"/>
+                            <a:satMod val="115000"/>
+                          </a:schemeClr>
+                        </a:gs>
+                        <a:gs pos="50000">
+                          <a:schemeClr val="accent5">
+                            <a:lumMod val="75000"/>
+                            <a:shade val="67500"/>
+                            <a:satMod val="115000"/>
+                          </a:schemeClr>
+                        </a:gs>
+                        <a:gs pos="100000">
+                          <a:schemeClr val="accent5">
+                            <a:lumMod val="75000"/>
+                            <a:shade val="100000"/>
+                            <a:satMod val="115000"/>
+                          </a:schemeClr>
+                        </a:gs>
+                      </a:gsLst>
+                      <a:lin ang="2700000" scaled="1"/>
+                      <a:tileRect/>
+                    </a:gradFill>
+                  </a:tcPr>
+                </a:tc>
+              </a:tr>
+              <a:tr h="789359">
+                <a:tc>
+                  <a:txBody>
+                    <a:bodyPr/>
+                    <a:lstStyle/>
+                    <a:p>
+                      <a:pPr marL="0" marR="0">
+                        <a:lnSpc>
+                          <a:spcPct val="115000"/>
+                        </a:lnSpc>
+                        <a:spcBef>
+                          <a:spcPts val="0"/>
+                        </a:spcBef>
+                        <a:spcAft>
+                          <a:spcPts val="0"/>
+                        </a:spcAft>
+                      </a:pPr>
+                      <a:r>
+                        <a:rPr lang="en-US" sz="1800" dirty="0">
+                          <a:effectLst/>
+                          <a:latin typeface="Calibri"/>
+                          <a:ea typeface="Calibri"/>
+                          <a:cs typeface="Vrinda"/>
+                        </a:rPr>
+                        <a:t>5</a:t>
+                      </a:r>
+                      <a:r>
+                        <a:rPr lang="en-US" sz="1800" dirty="0" smtClean="0">
+                          <a:effectLst/>
+                          <a:latin typeface="Calibri"/>
+                          <a:ea typeface="Calibri"/>
+                          <a:cs typeface="Vrinda"/>
+                        </a:rPr>
+                        <a:t>.2&gt;Duty </a:t>
+                      </a:r>
+                      <a:r>
+                        <a:rPr lang="en-US" sz="1800" dirty="0">
+                          <a:effectLst/>
+                          <a:latin typeface="Calibri"/>
+                          <a:ea typeface="Calibri"/>
+                          <a:cs typeface="Vrinda"/>
+                        </a:rPr>
+                        <a:t>Schedule</a:t>
+                      </a:r>
+                    </a:p>
+                    <a:p>
+                      <a:pPr marL="0" marR="0">
+                        <a:lnSpc>
+                          <a:spcPct val="115000"/>
+                        </a:lnSpc>
+                        <a:spcBef>
+                          <a:spcPts val="0"/>
+                        </a:spcBef>
+                        <a:spcAft>
+                          <a:spcPts val="0"/>
+                        </a:spcAft>
+                      </a:pPr>
+                      <a:r>
+                        <a:rPr lang="en-US" sz="1800" dirty="0">
+                          <a:effectLst/>
+                          <a:latin typeface="Calibri"/>
+                          <a:ea typeface="Calibri"/>
+                          <a:cs typeface="Vrinda"/>
+                        </a:rPr>
+                        <a:t> </a:t>
+                      </a:r>
+                    </a:p>
+                  </a:txBody>
+                  <a:tcPr marL="68580" marR="68580" marT="0" marB="0">
+                    <a:lnL w="12700" cap="flat" cmpd="sng" algn="ctr">
+                      <a:solidFill>
+                        <a:schemeClr val="tx1"/>
+                      </a:solidFill>
+                      <a:prstDash val="solid"/>
+                      <a:round/>
+                      <a:headEnd type="none" w="med" len="med"/>
+                      <a:tailEnd type="none" w="med" len="med"/>
+                    </a:lnL>
+                    <a:lnR w="12700" cap="flat" cmpd="sng" algn="ctr">
+                      <a:solidFill>
+                        <a:schemeClr val="tx1"/>
+                      </a:solidFill>
+                      <a:prstDash val="solid"/>
+                      <a:round/>
+                      <a:headEnd type="none" w="med" len="med"/>
+                      <a:tailEnd type="none" w="med" len="med"/>
+                    </a:lnR>
+                    <a:lnT w="12700" cap="flat" cmpd="sng" algn="ctr">
+                      <a:solidFill>
+                        <a:schemeClr val="tx1"/>
+                      </a:solidFill>
+                      <a:prstDash val="solid"/>
+                      <a:round/>
+                      <a:headEnd type="none" w="med" len="med"/>
+                      <a:tailEnd type="none" w="med" len="med"/>
+                    </a:lnT>
+                    <a:lnB w="12700" cap="flat" cmpd="sng" algn="ctr">
+                      <a:solidFill>
+                        <a:schemeClr val="tx1"/>
+                      </a:solidFill>
+                      <a:prstDash val="solid"/>
+                      <a:round/>
+                      <a:headEnd type="none" w="med" len="med"/>
+                      <a:tailEnd type="none" w="med" len="med"/>
+                    </a:lnB>
+                    <a:gradFill flip="none" rotWithShape="1">
+                      <a:gsLst>
+                        <a:gs pos="0">
+                          <a:schemeClr val="accent5">
+                            <a:lumMod val="75000"/>
+                            <a:shade val="30000"/>
+                            <a:satMod val="115000"/>
+                          </a:schemeClr>
+                        </a:gs>
+                        <a:gs pos="50000">
+                          <a:schemeClr val="accent5">
+                            <a:lumMod val="75000"/>
+                            <a:shade val="67500"/>
+                            <a:satMod val="115000"/>
+                          </a:schemeClr>
+                        </a:gs>
+                        <a:gs pos="100000">
+                          <a:schemeClr val="accent5">
+                            <a:lumMod val="75000"/>
+                            <a:shade val="100000"/>
+                            <a:satMod val="115000"/>
+                          </a:schemeClr>
+                        </a:gs>
+                      </a:gsLst>
+                      <a:lin ang="2700000" scaled="1"/>
+                      <a:tileRect/>
+                    </a:gradFill>
+                  </a:tcPr>
+                </a:tc>
+                <a:tc>
+                  <a:txBody>
+                    <a:bodyPr/>
+                    <a:lstStyle/>
+                    <a:p>
+                      <a:pPr marL="0" marR="0">
+                        <a:lnSpc>
+                          <a:spcPct val="115000"/>
+                        </a:lnSpc>
+                        <a:spcBef>
+                          <a:spcPts val="0"/>
+                        </a:spcBef>
+                        <a:spcAft>
+                          <a:spcPts val="0"/>
+                        </a:spcAft>
+                      </a:pPr>
+                      <a:r>
+                        <a:rPr lang="en-US" sz="1800" dirty="0" smtClean="0">
+                          <a:effectLst/>
+                          <a:latin typeface="Calibri"/>
+                          <a:ea typeface="Calibri"/>
+                          <a:cs typeface="Vrinda"/>
+                        </a:rPr>
+                        <a:t>Scheduling Subsystem prepares duty schedules of all employees</a:t>
+                      </a:r>
+                      <a:endParaRPr lang="en-US" sz="1800" dirty="0">
+                        <a:effectLst/>
+                        <a:latin typeface="Calibri"/>
+                        <a:ea typeface="Calibri"/>
+                        <a:cs typeface="Vrinda"/>
+                      </a:endParaRPr>
                     </a:p>
                   </a:txBody>
                   <a:tcPr marL="68580" marR="68580" marT="0" marB="0">
@@ -14956,403 +15506,7 @@
                           <a:ea typeface="Calibri"/>
                           <a:cs typeface="Vrinda"/>
                         </a:rPr>
-                        <a:t>CLK collects all billing information from different sub system</a:t>
-                      </a:r>
-                    </a:p>
-                  </a:txBody>
-                  <a:tcPr marL="68580" marR="68580" marT="0" marB="0">
-                    <a:lnL w="12700" cap="flat" cmpd="sng" algn="ctr">
-                      <a:solidFill>
-                        <a:schemeClr val="tx1"/>
-                      </a:solidFill>
-                      <a:prstDash val="solid"/>
-                      <a:round/>
-                      <a:headEnd type="none" w="med" len="med"/>
-                      <a:tailEnd type="none" w="med" len="med"/>
-                    </a:lnL>
-                    <a:lnR w="12700" cap="flat" cmpd="sng" algn="ctr">
-                      <a:solidFill>
-                        <a:schemeClr val="tx1"/>
-                      </a:solidFill>
-                      <a:prstDash val="solid"/>
-                      <a:round/>
-                      <a:headEnd type="none" w="med" len="med"/>
-                      <a:tailEnd type="none" w="med" len="med"/>
-                    </a:lnR>
-                    <a:lnT w="12700" cap="flat" cmpd="sng" algn="ctr">
-                      <a:solidFill>
-                        <a:schemeClr val="tx1"/>
-                      </a:solidFill>
-                      <a:prstDash val="solid"/>
-                      <a:round/>
-                      <a:headEnd type="none" w="med" len="med"/>
-                      <a:tailEnd type="none" w="med" len="med"/>
-                    </a:lnT>
-                    <a:lnB w="12700" cap="flat" cmpd="sng" algn="ctr">
-                      <a:solidFill>
-                        <a:schemeClr val="tx1"/>
-                      </a:solidFill>
-                      <a:prstDash val="solid"/>
-                      <a:round/>
-                      <a:headEnd type="none" w="med" len="med"/>
-                      <a:tailEnd type="none" w="med" len="med"/>
-                    </a:lnB>
-                    <a:gradFill flip="none" rotWithShape="1">
-                      <a:gsLst>
-                        <a:gs pos="0">
-                          <a:schemeClr val="accent5">
-                            <a:lumMod val="75000"/>
-                            <a:shade val="30000"/>
-                            <a:satMod val="115000"/>
-                          </a:schemeClr>
-                        </a:gs>
-                        <a:gs pos="50000">
-                          <a:schemeClr val="accent5">
-                            <a:lumMod val="75000"/>
-                            <a:shade val="67500"/>
-                            <a:satMod val="115000"/>
-                          </a:schemeClr>
-                        </a:gs>
-                        <a:gs pos="100000">
-                          <a:schemeClr val="accent5">
-                            <a:lumMod val="75000"/>
-                            <a:shade val="100000"/>
-                            <a:satMod val="115000"/>
-                          </a:schemeClr>
-                        </a:gs>
-                      </a:gsLst>
-                      <a:lin ang="2700000" scaled="1"/>
-                      <a:tileRect/>
-                    </a:gradFill>
-                  </a:tcPr>
-                </a:tc>
-                <a:tc>
-                  <a:txBody>
-                    <a:bodyPr/>
-                    <a:lstStyle/>
-                    <a:p>
-                      <a:pPr marL="0" marR="0">
-                        <a:lnSpc>
-                          <a:spcPct val="115000"/>
-                        </a:lnSpc>
-                        <a:spcBef>
-                          <a:spcPts val="0"/>
-                        </a:spcBef>
-                        <a:spcAft>
-                          <a:spcPts val="0"/>
-                        </a:spcAft>
-                      </a:pPr>
-                      <a:r>
-                        <a:rPr lang="en-US" sz="1800">
-                          <a:effectLst/>
-                          <a:latin typeface="Calibri"/>
-                          <a:ea typeface="Calibri"/>
-                          <a:cs typeface="Vrinda"/>
-                        </a:rPr>
-                        <a:t>CLK</a:t>
-                      </a:r>
-                    </a:p>
-                    <a:p>
-                      <a:pPr marL="0" marR="0">
-                        <a:lnSpc>
-                          <a:spcPct val="115000"/>
-                        </a:lnSpc>
-                        <a:spcBef>
-                          <a:spcPts val="0"/>
-                        </a:spcBef>
-                        <a:spcAft>
-                          <a:spcPts val="0"/>
-                        </a:spcAft>
-                      </a:pPr>
-                      <a:r>
-                        <a:rPr lang="en-US" sz="1800">
-                          <a:effectLst/>
-                          <a:latin typeface="Calibri"/>
-                          <a:ea typeface="Calibri"/>
-                          <a:cs typeface="Vrinda"/>
-                        </a:rPr>
-                        <a:t> </a:t>
-                      </a:r>
-                    </a:p>
-                  </a:txBody>
-                  <a:tcPr marL="68580" marR="68580" marT="0" marB="0">
-                    <a:lnL w="12700" cap="flat" cmpd="sng" algn="ctr">
-                      <a:solidFill>
-                        <a:schemeClr val="tx1"/>
-                      </a:solidFill>
-                      <a:prstDash val="solid"/>
-                      <a:round/>
-                      <a:headEnd type="none" w="med" len="med"/>
-                      <a:tailEnd type="none" w="med" len="med"/>
-                    </a:lnL>
-                    <a:lnR w="12700" cap="flat" cmpd="sng" algn="ctr">
-                      <a:solidFill>
-                        <a:schemeClr val="tx1"/>
-                      </a:solidFill>
-                      <a:prstDash val="solid"/>
-                      <a:round/>
-                      <a:headEnd type="none" w="med" len="med"/>
-                      <a:tailEnd type="none" w="med" len="med"/>
-                    </a:lnR>
-                    <a:lnT w="12700" cap="flat" cmpd="sng" algn="ctr">
-                      <a:solidFill>
-                        <a:schemeClr val="tx1"/>
-                      </a:solidFill>
-                      <a:prstDash val="solid"/>
-                      <a:round/>
-                      <a:headEnd type="none" w="med" len="med"/>
-                      <a:tailEnd type="none" w="med" len="med"/>
-                    </a:lnT>
-                    <a:lnB w="12700" cap="flat" cmpd="sng" algn="ctr">
-                      <a:solidFill>
-                        <a:schemeClr val="tx1"/>
-                      </a:solidFill>
-                      <a:prstDash val="solid"/>
-                      <a:round/>
-                      <a:headEnd type="none" w="med" len="med"/>
-                      <a:tailEnd type="none" w="med" len="med"/>
-                    </a:lnB>
-                    <a:gradFill flip="none" rotWithShape="1">
-                      <a:gsLst>
-                        <a:gs pos="0">
-                          <a:schemeClr val="accent5">
-                            <a:lumMod val="75000"/>
-                            <a:shade val="30000"/>
-                            <a:satMod val="115000"/>
-                          </a:schemeClr>
-                        </a:gs>
-                        <a:gs pos="50000">
-                          <a:schemeClr val="accent5">
-                            <a:lumMod val="75000"/>
-                            <a:shade val="67500"/>
-                            <a:satMod val="115000"/>
-                          </a:schemeClr>
-                        </a:gs>
-                        <a:gs pos="100000">
-                          <a:schemeClr val="accent5">
-                            <a:lumMod val="75000"/>
-                            <a:shade val="100000"/>
-                            <a:satMod val="115000"/>
-                          </a:schemeClr>
-                        </a:gs>
-                      </a:gsLst>
-                      <a:lin ang="2700000" scaled="1"/>
-                      <a:tileRect/>
-                    </a:gradFill>
-                  </a:tcPr>
-                </a:tc>
-              </a:tr>
-              <a:tr h="431991">
-                <a:tc>
-                  <a:txBody>
-                    <a:bodyPr/>
-                    <a:lstStyle/>
-                    <a:p>
-                      <a:pPr marL="0" marR="0">
-                        <a:lnSpc>
-                          <a:spcPct val="115000"/>
-                        </a:lnSpc>
-                        <a:spcBef>
-                          <a:spcPts val="0"/>
-                        </a:spcBef>
-                        <a:spcAft>
-                          <a:spcPts val="0"/>
-                        </a:spcAft>
-                      </a:pPr>
-                      <a:r>
-                        <a:rPr lang="en-US" sz="1800">
-                          <a:effectLst/>
-                          <a:latin typeface="Calibri"/>
-                          <a:ea typeface="Calibri"/>
-                          <a:cs typeface="Vrinda"/>
-                        </a:rPr>
-                        <a:t>5.2&gt;Receive bill </a:t>
-                      </a:r>
-                    </a:p>
-                  </a:txBody>
-                  <a:tcPr marL="68580" marR="68580" marT="0" marB="0">
-                    <a:lnL w="12700" cap="flat" cmpd="sng" algn="ctr">
-                      <a:solidFill>
-                        <a:schemeClr val="tx1"/>
-                      </a:solidFill>
-                      <a:prstDash val="solid"/>
-                      <a:round/>
-                      <a:headEnd type="none" w="med" len="med"/>
-                      <a:tailEnd type="none" w="med" len="med"/>
-                    </a:lnL>
-                    <a:lnR w="12700" cap="flat" cmpd="sng" algn="ctr">
-                      <a:solidFill>
-                        <a:schemeClr val="tx1"/>
-                      </a:solidFill>
-                      <a:prstDash val="solid"/>
-                      <a:round/>
-                      <a:headEnd type="none" w="med" len="med"/>
-                      <a:tailEnd type="none" w="med" len="med"/>
-                    </a:lnR>
-                    <a:lnT w="12700" cap="flat" cmpd="sng" algn="ctr">
-                      <a:solidFill>
-                        <a:schemeClr val="tx1"/>
-                      </a:solidFill>
-                      <a:prstDash val="solid"/>
-                      <a:round/>
-                      <a:headEnd type="none" w="med" len="med"/>
-                      <a:tailEnd type="none" w="med" len="med"/>
-                    </a:lnT>
-                    <a:lnB w="12700" cap="flat" cmpd="sng" algn="ctr">
-                      <a:solidFill>
-                        <a:schemeClr val="tx1"/>
-                      </a:solidFill>
-                      <a:prstDash val="solid"/>
-                      <a:round/>
-                      <a:headEnd type="none" w="med" len="med"/>
-                      <a:tailEnd type="none" w="med" len="med"/>
-                    </a:lnB>
-                    <a:gradFill flip="none" rotWithShape="1">
-                      <a:gsLst>
-                        <a:gs pos="0">
-                          <a:schemeClr val="accent5">
-                            <a:lumMod val="75000"/>
-                            <a:shade val="30000"/>
-                            <a:satMod val="115000"/>
-                          </a:schemeClr>
-                        </a:gs>
-                        <a:gs pos="50000">
-                          <a:schemeClr val="accent5">
-                            <a:lumMod val="75000"/>
-                            <a:shade val="67500"/>
-                            <a:satMod val="115000"/>
-                          </a:schemeClr>
-                        </a:gs>
-                        <a:gs pos="100000">
-                          <a:schemeClr val="accent5">
-                            <a:lumMod val="75000"/>
-                            <a:shade val="100000"/>
-                            <a:satMod val="115000"/>
-                          </a:schemeClr>
-                        </a:gs>
-                      </a:gsLst>
-                      <a:lin ang="2700000" scaled="1"/>
-                      <a:tileRect/>
-                    </a:gradFill>
-                  </a:tcPr>
-                </a:tc>
-                <a:tc>
-                  <a:txBody>
-                    <a:bodyPr/>
-                    <a:lstStyle/>
-                    <a:p>
-                      <a:pPr marL="0" marR="0">
-                        <a:lnSpc>
-                          <a:spcPct val="115000"/>
-                        </a:lnSpc>
-                        <a:spcBef>
-                          <a:spcPts val="0"/>
-                        </a:spcBef>
-                        <a:spcAft>
-                          <a:spcPts val="0"/>
-                        </a:spcAft>
-                      </a:pPr>
-                      <a:r>
-                        <a:rPr lang="en-US" sz="1800">
-                          <a:effectLst/>
-                          <a:latin typeface="Calibri"/>
-                          <a:ea typeface="Calibri"/>
-                          <a:cs typeface="Vrinda"/>
-                        </a:rPr>
-                        <a:t>PT gives total bill to CLK</a:t>
-                      </a:r>
-                    </a:p>
-                  </a:txBody>
-                  <a:tcPr marL="68580" marR="68580" marT="0" marB="0">
-                    <a:lnL w="12700" cap="flat" cmpd="sng" algn="ctr">
-                      <a:solidFill>
-                        <a:schemeClr val="tx1"/>
-                      </a:solidFill>
-                      <a:prstDash val="solid"/>
-                      <a:round/>
-                      <a:headEnd type="none" w="med" len="med"/>
-                      <a:tailEnd type="none" w="med" len="med"/>
-                    </a:lnL>
-                    <a:lnR w="12700" cap="flat" cmpd="sng" algn="ctr">
-                      <a:solidFill>
-                        <a:schemeClr val="tx1"/>
-                      </a:solidFill>
-                      <a:prstDash val="solid"/>
-                      <a:round/>
-                      <a:headEnd type="none" w="med" len="med"/>
-                      <a:tailEnd type="none" w="med" len="med"/>
-                    </a:lnR>
-                    <a:lnT w="12700" cap="flat" cmpd="sng" algn="ctr">
-                      <a:solidFill>
-                        <a:schemeClr val="tx1"/>
-                      </a:solidFill>
-                      <a:prstDash val="solid"/>
-                      <a:round/>
-                      <a:headEnd type="none" w="med" len="med"/>
-                      <a:tailEnd type="none" w="med" len="med"/>
-                    </a:lnT>
-                    <a:lnB w="12700" cap="flat" cmpd="sng" algn="ctr">
-                      <a:solidFill>
-                        <a:schemeClr val="tx1"/>
-                      </a:solidFill>
-                      <a:prstDash val="solid"/>
-                      <a:round/>
-                      <a:headEnd type="none" w="med" len="med"/>
-                      <a:tailEnd type="none" w="med" len="med"/>
-                    </a:lnB>
-                    <a:gradFill flip="none" rotWithShape="1">
-                      <a:gsLst>
-                        <a:gs pos="0">
-                          <a:schemeClr val="accent5">
-                            <a:lumMod val="75000"/>
-                            <a:shade val="30000"/>
-                            <a:satMod val="115000"/>
-                          </a:schemeClr>
-                        </a:gs>
-                        <a:gs pos="50000">
-                          <a:schemeClr val="accent5">
-                            <a:lumMod val="75000"/>
-                            <a:shade val="67500"/>
-                            <a:satMod val="115000"/>
-                          </a:schemeClr>
-                        </a:gs>
-                        <a:gs pos="100000">
-                          <a:schemeClr val="accent5">
-                            <a:lumMod val="75000"/>
-                            <a:shade val="100000"/>
-                            <a:satMod val="115000"/>
-                          </a:schemeClr>
-                        </a:gs>
-                      </a:gsLst>
-                      <a:lin ang="2700000" scaled="1"/>
-                      <a:tileRect/>
-                    </a:gradFill>
-                  </a:tcPr>
-                </a:tc>
-                <a:tc>
-                  <a:txBody>
-                    <a:bodyPr/>
-                    <a:lstStyle/>
-                    <a:p>
-                      <a:pPr marL="0" marR="0">
-                        <a:lnSpc>
-                          <a:spcPct val="115000"/>
-                        </a:lnSpc>
-                        <a:spcBef>
-                          <a:spcPts val="0"/>
-                        </a:spcBef>
-                        <a:spcAft>
-                          <a:spcPts val="0"/>
-                        </a:spcAft>
-                      </a:pPr>
-                      <a:r>
-                        <a:rPr lang="en-US" sz="1800" dirty="0">
-                          <a:effectLst/>
-                          <a:latin typeface="Calibri"/>
-                          <a:ea typeface="Calibri"/>
-                          <a:cs typeface="Vrinda"/>
-                        </a:rPr>
-                        <a:t>PT,CLK</a:t>
+                        <a:t>AD</a:t>
                       </a:r>
                     </a:p>
                   </a:txBody>
@@ -15445,7 +15599,7 @@
             <a:fld id="{E396CFFB-088C-4159-8D69-48E3763E7900}" type="slidenum">
               <a:rPr lang="en-US" smtClean="0"/>
               <a:pPr/>
-              <a:t>41</a:t>
+              <a:t>42</a:t>
             </a:fld>
             <a:endParaRPr lang="en-US"/>
           </a:p>
@@ -15454,152 +15608,7 @@
     </p:spTree>
     <p:extLst>
       <p:ext uri="{BB962C8B-B14F-4D97-AF65-F5344CB8AC3E}">
-        <p14:creationId xmlns:p14="http://schemas.microsoft.com/office/powerpoint/2010/main" xmlns="" val="3367042605"/>
-      </p:ext>
-    </p:extLst>
-  </p:cSld>
-  <p:clrMapOvr>
-    <a:masterClrMapping/>
-  </p:clrMapOvr>
-  <p:timing>
-    <p:tnLst>
-      <p:par>
-        <p:cTn id="1" dur="indefinite" restart="never" nodeType="tmRoot"/>
-      </p:par>
-    </p:tnLst>
-  </p:timing>
-</p:sld>
-</file>
-
-<file path=ppt/slides/slide42.xml><?xml version="1.0" encoding="utf-8"?>
-<p:sld xmlns:a="http://schemas.openxmlformats.org/drawingml/2006/main" xmlns:r="http://schemas.openxmlformats.org/officeDocument/2006/relationships" xmlns:p="http://schemas.openxmlformats.org/presentationml/2006/main">
-  <p:cSld>
-    <p:spTree>
-      <p:nvGrpSpPr>
-        <p:cNvPr id="1" name=""/>
-        <p:cNvGrpSpPr/>
-        <p:nvPr/>
-      </p:nvGrpSpPr>
-      <p:grpSpPr>
-        <a:xfrm>
-          <a:off x="0" y="0"/>
-          <a:ext cx="0" cy="0"/>
-          <a:chOff x="0" y="0"/>
-          <a:chExt cx="0" cy="0"/>
-        </a:xfrm>
-      </p:grpSpPr>
-      <p:sp>
-        <p:nvSpPr>
-          <p:cNvPr id="2" name="Title 1"/>
-          <p:cNvSpPr>
-            <a:spLocks noGrp="1"/>
-          </p:cNvSpPr>
-          <p:nvPr>
-            <p:ph type="ctrTitle"/>
-          </p:nvPr>
-        </p:nvSpPr>
-        <p:spPr>
-          <a:xfrm>
-            <a:off x="457200" y="228600"/>
-            <a:ext cx="8229600" cy="762000"/>
-          </a:xfrm>
-        </p:spPr>
-        <p:txBody>
-          <a:bodyPr>
-            <a:normAutofit fontScale="90000"/>
-          </a:bodyPr>
-          <a:lstStyle/>
-          <a:p>
-            <a:pPr algn="ctr"/>
-            <a:r>
-              <a:rPr lang="en-US" sz="3400" dirty="0" smtClean="0"/>
-              <a:t>Sequence Diagram 5.1:Collect Bill Information</a:t>
-            </a:r>
-            <a:endParaRPr lang="en-US" sz="3400" dirty="0"/>
-          </a:p>
-        </p:txBody>
-      </p:sp>
-      <p:sp>
-        <p:nvSpPr>
-          <p:cNvPr id="3" name="Subtitle 2"/>
-          <p:cNvSpPr>
-            <a:spLocks noGrp="1"/>
-          </p:cNvSpPr>
-          <p:nvPr>
-            <p:ph type="subTitle" idx="1"/>
-          </p:nvPr>
-        </p:nvSpPr>
-        <p:spPr>
-          <a:xfrm>
-            <a:off x="1390436" y="5840896"/>
-            <a:ext cx="6560234" cy="1000539"/>
-          </a:xfrm>
-        </p:spPr>
-        <p:txBody>
-          <a:bodyPr/>
-          <a:lstStyle/>
-          <a:p>
-            <a:pPr algn="ctr"/>
-            <a:r>
-              <a:rPr lang="en-US" dirty="0" smtClean="0"/>
-              <a:t>Fig: Collaboration Diagram</a:t>
-            </a:r>
-            <a:endParaRPr lang="en-US" dirty="0"/>
-          </a:p>
-        </p:txBody>
-      </p:sp>
-      <p:sp>
-        <p:nvSpPr>
-          <p:cNvPr id="4" name="Slide Number Placeholder 3"/>
-          <p:cNvSpPr>
-            <a:spLocks noGrp="1"/>
-          </p:cNvSpPr>
-          <p:nvPr>
-            <p:ph type="sldNum" sz="quarter" idx="11"/>
-          </p:nvPr>
-        </p:nvSpPr>
-        <p:spPr/>
-        <p:txBody>
-          <a:bodyPr/>
-          <a:lstStyle/>
-          <a:p>
-            <a:fld id="{E396CFFB-088C-4159-8D69-48E3763E7900}" type="slidenum">
-              <a:rPr lang="en-US" smtClean="0"/>
-              <a:pPr/>
-              <a:t>42</a:t>
-            </a:fld>
-            <a:endParaRPr lang="en-US"/>
-          </a:p>
-        </p:txBody>
-      </p:sp>
-      <p:pic>
-        <p:nvPicPr>
-          <p:cNvPr id="6" name="Picture 5"/>
-          <p:cNvPicPr>
-            <a:picLocks noChangeAspect="1"/>
-          </p:cNvPicPr>
-          <p:nvPr/>
-        </p:nvPicPr>
-        <p:blipFill>
-          <a:blip r:embed="rId2"/>
-          <a:stretch>
-            <a:fillRect/>
-          </a:stretch>
-        </p:blipFill>
-        <p:spPr>
-          <a:xfrm>
-            <a:off x="609600" y="1295400"/>
-            <a:ext cx="8000999" cy="5257800"/>
-          </a:xfrm>
-          <a:prstGeom prst="rect">
-            <a:avLst/>
-          </a:prstGeom>
-        </p:spPr>
-      </p:pic>
-    </p:spTree>
-    <p:extLst>
-      <p:ext uri="{BB962C8B-B14F-4D97-AF65-F5344CB8AC3E}">
-        <p14:creationId xmlns:p14="http://schemas.microsoft.com/office/powerpoint/2010/main" xmlns="" val="3608300950"/>
+        <p14:creationId xmlns:p14="http://schemas.microsoft.com/office/powerpoint/2010/main" val="2234090183"/>
       </p:ext>
     </p:extLst>
   </p:cSld>
@@ -15646,7 +15655,7 @@
         <p:spPr>
           <a:xfrm>
             <a:off x="457200" y="228600"/>
-            <a:ext cx="8229600" cy="1143000"/>
+            <a:ext cx="8229600" cy="762000"/>
           </a:xfrm>
         </p:spPr>
         <p:txBody>
@@ -15657,14 +15666,39 @@
           <a:p>
             <a:pPr algn="ctr"/>
             <a:r>
-              <a:rPr lang="en-US" sz="3600" dirty="0" smtClean="0"/>
-              <a:t>Activity Diagram</a:t>
-            </a:r>
-            <a:r>
               <a:rPr lang="en-US" sz="3400" dirty="0" smtClean="0"/>
-              <a:t> 5.1:Collect Bill Information</a:t>
+              <a:t>Sequence Diagram 5.1: Active Employee List</a:t>
             </a:r>
             <a:endParaRPr lang="en-US" sz="3400" dirty="0"/>
+          </a:p>
+        </p:txBody>
+      </p:sp>
+      <p:sp>
+        <p:nvSpPr>
+          <p:cNvPr id="3" name="Subtitle 2"/>
+          <p:cNvSpPr>
+            <a:spLocks noGrp="1"/>
+          </p:cNvSpPr>
+          <p:nvPr>
+            <p:ph type="subTitle" idx="1"/>
+          </p:nvPr>
+        </p:nvSpPr>
+        <p:spPr>
+          <a:xfrm>
+            <a:off x="1390436" y="5840896"/>
+            <a:ext cx="6560234" cy="1000539"/>
+          </a:xfrm>
+        </p:spPr>
+        <p:txBody>
+          <a:bodyPr/>
+          <a:lstStyle/>
+          <a:p>
+            <a:pPr algn="ctr"/>
+            <a:r>
+              <a:rPr lang="en-US" dirty="0" smtClean="0"/>
+              <a:t>Fig: Collaboration Diagram</a:t>
+            </a:r>
+            <a:endParaRPr lang="en-US" dirty="0"/>
           </a:p>
         </p:txBody>
       </p:sp>
@@ -15694,7 +15728,7 @@
       </p:sp>
       <p:pic>
         <p:nvPicPr>
-          <p:cNvPr id="5" name="Picture 4"/>
+          <p:cNvPr id="7" name="Picture 6"/>
           <p:cNvPicPr>
             <a:picLocks noChangeAspect="1"/>
           </p:cNvPicPr>
@@ -15708,37 +15742,18 @@
         </p:blipFill>
         <p:spPr>
           <a:xfrm>
-            <a:off x="1528735" y="1371600"/>
-            <a:ext cx="6238930" cy="4343400"/>
+            <a:off x="762000" y="1295400"/>
+            <a:ext cx="7543800" cy="5181600"/>
           </a:xfrm>
           <a:prstGeom prst="rect">
             <a:avLst/>
           </a:prstGeom>
         </p:spPr>
       </p:pic>
-      <p:sp>
-        <p:nvSpPr>
-          <p:cNvPr id="6" name="Subtitle 5"/>
-          <p:cNvSpPr>
-            <a:spLocks noGrp="1"/>
-          </p:cNvSpPr>
-          <p:nvPr>
-            <p:ph type="subTitle" idx="1"/>
-          </p:nvPr>
-        </p:nvSpPr>
-        <p:spPr/>
-        <p:txBody>
-          <a:bodyPr/>
-          <a:lstStyle/>
-          <a:p>
-            <a:endParaRPr lang="en-US"/>
-          </a:p>
-        </p:txBody>
-      </p:sp>
     </p:spTree>
     <p:extLst>
       <p:ext uri="{BB962C8B-B14F-4D97-AF65-F5344CB8AC3E}">
-        <p14:creationId xmlns:p14="http://schemas.microsoft.com/office/powerpoint/2010/main" xmlns="" val="1462616443"/>
+        <p14:creationId xmlns:p14="http://schemas.microsoft.com/office/powerpoint/2010/main" val="4196486782"/>
       </p:ext>
     </p:extLst>
   </p:cSld>
@@ -15790,14 +15805,18 @@
         </p:spPr>
         <p:txBody>
           <a:bodyPr>
-            <a:normAutofit/>
+            <a:normAutofit fontScale="90000"/>
           </a:bodyPr>
           <a:lstStyle/>
           <a:p>
             <a:pPr algn="ctr"/>
             <a:r>
+              <a:rPr lang="en-US" sz="3600" dirty="0" smtClean="0"/>
+              <a:t>Activity Diagram</a:t>
+            </a:r>
+            <a:r>
               <a:rPr lang="en-US" sz="3400" dirty="0" smtClean="0"/>
-              <a:t>Sequence Diagram 5.2: Receive Bill</a:t>
+              <a:t> 5.1: Active Employee List</a:t>
             </a:r>
             <a:endParaRPr lang="en-US" sz="3400" dirty="0"/>
           </a:p>
@@ -15826,7 +15845,7 @@
             <a:pPr algn="ctr"/>
             <a:r>
               <a:rPr lang="en-US" dirty="0" smtClean="0"/>
-              <a:t>Fig: Collaboration Diagram</a:t>
+              <a:t>Fig: Activity Diagram</a:t>
             </a:r>
             <a:endParaRPr lang="en-US" dirty="0"/>
           </a:p>
@@ -15858,7 +15877,7 @@
       </p:sp>
       <p:pic>
         <p:nvPicPr>
-          <p:cNvPr id="9" name="Picture 8"/>
+          <p:cNvPr id="5" name="Picture 4"/>
           <p:cNvPicPr>
             <a:picLocks noChangeAspect="1"/>
           </p:cNvPicPr>
@@ -15872,8 +15891,8 @@
         </p:blipFill>
         <p:spPr>
           <a:xfrm>
-            <a:off x="1143001" y="1371600"/>
-            <a:ext cx="6858000" cy="5181600"/>
+            <a:off x="1233260" y="1219200"/>
+            <a:ext cx="6448879" cy="4572000"/>
           </a:xfrm>
           <a:prstGeom prst="rect">
             <a:avLst/>
@@ -15883,7 +15902,7 @@
     </p:spTree>
     <p:extLst>
       <p:ext uri="{BB962C8B-B14F-4D97-AF65-F5344CB8AC3E}">
-        <p14:creationId xmlns:p14="http://schemas.microsoft.com/office/powerpoint/2010/main" xmlns="" val="3608300950"/>
+        <p14:creationId xmlns:p14="http://schemas.microsoft.com/office/powerpoint/2010/main" val="2988678334"/>
       </p:ext>
     </p:extLst>
   </p:cSld>
@@ -15942,9 +15961,38 @@
             <a:pPr algn="ctr"/>
             <a:r>
               <a:rPr lang="en-US" sz="3400" dirty="0" smtClean="0"/>
-              <a:t>Activity Diagram 5.2: Receive Bill</a:t>
+              <a:t>Sequence Diagram 5.2: Duty Schedule</a:t>
             </a:r>
             <a:endParaRPr lang="en-US" sz="3400" dirty="0"/>
+          </a:p>
+        </p:txBody>
+      </p:sp>
+      <p:sp>
+        <p:nvSpPr>
+          <p:cNvPr id="3" name="Subtitle 2"/>
+          <p:cNvSpPr>
+            <a:spLocks noGrp="1"/>
+          </p:cNvSpPr>
+          <p:nvPr>
+            <p:ph type="subTitle" idx="1"/>
+          </p:nvPr>
+        </p:nvSpPr>
+        <p:spPr>
+          <a:xfrm>
+            <a:off x="1390436" y="5840896"/>
+            <a:ext cx="6560234" cy="1000539"/>
+          </a:xfrm>
+        </p:spPr>
+        <p:txBody>
+          <a:bodyPr/>
+          <a:lstStyle/>
+          <a:p>
+            <a:pPr algn="ctr"/>
+            <a:r>
+              <a:rPr lang="en-US" dirty="0" smtClean="0"/>
+              <a:t>Fig: Collaboration Diagram</a:t>
+            </a:r>
+            <a:endParaRPr lang="en-US" dirty="0"/>
           </a:p>
         </p:txBody>
       </p:sp>
@@ -15974,7 +16022,7 @@
       </p:sp>
       <p:pic>
         <p:nvPicPr>
-          <p:cNvPr id="7" name="Picture 6"/>
+          <p:cNvPr id="5" name="Picture 4"/>
           <p:cNvPicPr>
             <a:picLocks noChangeAspect="1"/>
           </p:cNvPicPr>
@@ -15988,37 +16036,18 @@
         </p:blipFill>
         <p:spPr>
           <a:xfrm>
-            <a:off x="1905000" y="1447800"/>
-            <a:ext cx="5410200" cy="4495800"/>
+            <a:off x="762000" y="1371600"/>
+            <a:ext cx="7543800" cy="5105400"/>
           </a:xfrm>
           <a:prstGeom prst="rect">
             <a:avLst/>
           </a:prstGeom>
         </p:spPr>
       </p:pic>
-      <p:sp>
-        <p:nvSpPr>
-          <p:cNvPr id="6" name="Subtitle 5"/>
-          <p:cNvSpPr>
-            <a:spLocks noGrp="1"/>
-          </p:cNvSpPr>
-          <p:nvPr>
-            <p:ph type="subTitle" idx="1"/>
-          </p:nvPr>
-        </p:nvSpPr>
-        <p:spPr/>
-        <p:txBody>
-          <a:bodyPr/>
-          <a:lstStyle/>
-          <a:p>
-            <a:endParaRPr lang="en-US"/>
-          </a:p>
-        </p:txBody>
-      </p:sp>
     </p:spTree>
     <p:extLst>
       <p:ext uri="{BB962C8B-B14F-4D97-AF65-F5344CB8AC3E}">
-        <p14:creationId xmlns:p14="http://schemas.microsoft.com/office/powerpoint/2010/main" xmlns="" val="3712007351"/>
+        <p14:creationId xmlns:p14="http://schemas.microsoft.com/office/powerpoint/2010/main" val="4196486782"/>
       </p:ext>
     </p:extLst>
   </p:cSld>
@@ -16059,42 +16088,86 @@
             <a:spLocks noGrp="1"/>
           </p:cNvSpPr>
           <p:nvPr>
-            <p:ph type="title"/>
-          </p:nvPr>
-        </p:nvSpPr>
-        <p:spPr/>
+            <p:ph type="ctrTitle"/>
+          </p:nvPr>
+        </p:nvSpPr>
+        <p:spPr>
+          <a:xfrm>
+            <a:off x="457200" y="228600"/>
+            <a:ext cx="8229600" cy="762000"/>
+          </a:xfrm>
+        </p:spPr>
         <p:txBody>
           <a:bodyPr>
-            <a:normAutofit fontScale="90000"/>
+            <a:normAutofit/>
           </a:bodyPr>
           <a:lstStyle/>
           <a:p>
-            <a:pPr algn="l"/>
-            <a:r>
-              <a:rPr lang="en-US" dirty="0" smtClean="0"/>
-              <a:t>State Diagram of </a:t>
-            </a:r>
-            <a:r>
-              <a:rPr lang="en-US" dirty="0" err="1" smtClean="0"/>
-              <a:t>PrepareBill</a:t>
-            </a:r>
-            <a:r>
-              <a:rPr lang="en-US" dirty="0" smtClean="0"/>
-              <a:t> Class</a:t>
-            </a:r>
+            <a:pPr algn="ctr"/>
+            <a:r>
+              <a:rPr lang="en-US" sz="3400" dirty="0" smtClean="0"/>
+              <a:t>Activity Diagram 5.2: Duty Schedule</a:t>
+            </a:r>
+            <a:endParaRPr lang="en-US" sz="3400" dirty="0"/>
+          </a:p>
+        </p:txBody>
+      </p:sp>
+      <p:sp>
+        <p:nvSpPr>
+          <p:cNvPr id="3" name="Subtitle 2"/>
+          <p:cNvSpPr>
+            <a:spLocks noGrp="1"/>
+          </p:cNvSpPr>
+          <p:nvPr>
+            <p:ph type="subTitle" idx="1"/>
+          </p:nvPr>
+        </p:nvSpPr>
+        <p:spPr>
+          <a:xfrm>
+            <a:off x="1390436" y="5840896"/>
+            <a:ext cx="6560234" cy="1000539"/>
+          </a:xfrm>
+        </p:spPr>
+        <p:txBody>
+          <a:bodyPr/>
+          <a:lstStyle/>
+          <a:p>
+            <a:pPr algn="ctr"/>
             <a:endParaRPr lang="en-US" dirty="0"/>
+          </a:p>
+        </p:txBody>
+      </p:sp>
+      <p:sp>
+        <p:nvSpPr>
+          <p:cNvPr id="4" name="Slide Number Placeholder 3"/>
+          <p:cNvSpPr>
+            <a:spLocks noGrp="1"/>
+          </p:cNvSpPr>
+          <p:nvPr>
+            <p:ph type="sldNum" sz="quarter" idx="11"/>
+          </p:nvPr>
+        </p:nvSpPr>
+        <p:spPr/>
+        <p:txBody>
+          <a:bodyPr/>
+          <a:lstStyle/>
+          <a:p>
+            <a:fld id="{E396CFFB-088C-4159-8D69-48E3763E7900}" type="slidenum">
+              <a:rPr lang="en-US" smtClean="0"/>
+              <a:pPr/>
+              <a:t>46</a:t>
+            </a:fld>
+            <a:endParaRPr lang="en-US"/>
           </a:p>
         </p:txBody>
       </p:sp>
       <p:pic>
         <p:nvPicPr>
-          <p:cNvPr id="5" name="Content Placeholder 4" descr="5.1.png"/>
+          <p:cNvPr id="7" name="Picture 6" descr="4.2.jpg"/>
           <p:cNvPicPr>
-            <a:picLocks noGrp="1" noChangeAspect="1"/>
+            <a:picLocks noChangeAspect="1"/>
           </p:cNvPicPr>
-          <p:nvPr>
-            <p:ph idx="1"/>
-          </p:nvPr>
+          <p:nvPr/>
         </p:nvPicPr>
         <p:blipFill>
           <a:blip r:embed="rId2"/>
@@ -16104,36 +16177,20 @@
         </p:blipFill>
         <p:spPr>
           <a:xfrm>
-            <a:off x="2286000" y="1646238"/>
-            <a:ext cx="4495799" cy="4830762"/>
+            <a:off x="2219324" y="1804987"/>
+            <a:ext cx="5629275" cy="3910013"/>
           </a:xfrm>
+          <a:prstGeom prst="rect">
+            <a:avLst/>
+          </a:prstGeom>
         </p:spPr>
       </p:pic>
-      <p:sp>
-        <p:nvSpPr>
-          <p:cNvPr id="4" name="Slide Number Placeholder 3"/>
-          <p:cNvSpPr>
-            <a:spLocks noGrp="1"/>
-          </p:cNvSpPr>
-          <p:nvPr>
-            <p:ph type="sldNum" sz="quarter" idx="12"/>
-          </p:nvPr>
-        </p:nvSpPr>
-        <p:spPr/>
-        <p:txBody>
-          <a:bodyPr/>
-          <a:lstStyle/>
-          <a:p>
-            <a:fld id="{E396CFFB-088C-4159-8D69-48E3763E7900}" type="slidenum">
-              <a:rPr lang="en-US" smtClean="0"/>
-              <a:pPr/>
-              <a:t>46</a:t>
-            </a:fld>
-            <a:endParaRPr lang="en-US"/>
-          </a:p>
-        </p:txBody>
-      </p:sp>
     </p:spTree>
+    <p:extLst>
+      <p:ext uri="{BB962C8B-B14F-4D97-AF65-F5344CB8AC3E}">
+        <p14:creationId xmlns:p14="http://schemas.microsoft.com/office/powerpoint/2010/main" val="4022827824"/>
+      </p:ext>
+    </p:extLst>
   </p:cSld>
   <p:clrMapOvr>
     <a:masterClrMapping/>
@@ -16210,7 +16267,7 @@
           <a:blip r:embed="rId2">
             <a:extLst>
               <a:ext uri="{28A0092B-C50C-407E-A947-70E740481C1C}">
-                <a14:useLocalDpi xmlns:a14="http://schemas.microsoft.com/office/drawing/2010/main" xmlns="" val="0"/>
+                <a14:useLocalDpi xmlns:a14="http://schemas.microsoft.com/office/drawing/2010/main" val="0"/>
               </a:ext>
             </a:extLst>
           </a:blip>
@@ -16252,7 +16309,7 @@
     </p:spTree>
     <p:extLst>
       <p:ext uri="{BB962C8B-B14F-4D97-AF65-F5344CB8AC3E}">
-        <p14:creationId xmlns:p14="http://schemas.microsoft.com/office/powerpoint/2010/main" xmlns="" val="3854558211"/>
+        <p14:creationId xmlns:p14="http://schemas.microsoft.com/office/powerpoint/2010/main" val="3854558211"/>
       </p:ext>
     </p:extLst>
   </p:cSld>
@@ -16369,7 +16426,7 @@
     </p:spTree>
     <p:extLst>
       <p:ext uri="{BB962C8B-B14F-4D97-AF65-F5344CB8AC3E}">
-        <p14:creationId xmlns:p14="http://schemas.microsoft.com/office/powerpoint/2010/main" xmlns="" val="1276866516"/>
+        <p14:creationId xmlns:p14="http://schemas.microsoft.com/office/powerpoint/2010/main" val="1276866516"/>
       </p:ext>
     </p:extLst>
   </p:cSld>
@@ -16504,7 +16561,7 @@
     </p:spTree>
     <p:extLst>
       <p:ext uri="{BB962C8B-B14F-4D97-AF65-F5344CB8AC3E}">
-        <p14:creationId xmlns:p14="http://schemas.microsoft.com/office/powerpoint/2010/main" xmlns="" val="2683894146"/>
+        <p14:creationId xmlns:p14="http://schemas.microsoft.com/office/powerpoint/2010/main" val="2683894146"/>
       </p:ext>
     </p:extLst>
   </p:cSld>
@@ -16770,7 +16827,7 @@
     </p:spTree>
     <p:extLst>
       <p:ext uri="{BB962C8B-B14F-4D97-AF65-F5344CB8AC3E}">
-        <p14:creationId xmlns:p14="http://schemas.microsoft.com/office/powerpoint/2010/main" xmlns="" val="1219923784"/>
+        <p14:creationId xmlns:p14="http://schemas.microsoft.com/office/powerpoint/2010/main" val="1219923784"/>
       </p:ext>
     </p:extLst>
   </p:cSld>
@@ -16915,7 +16972,7 @@
     </p:spTree>
     <p:extLst>
       <p:ext uri="{BB962C8B-B14F-4D97-AF65-F5344CB8AC3E}">
-        <p14:creationId xmlns:p14="http://schemas.microsoft.com/office/powerpoint/2010/main" xmlns="" val="404526246"/>
+        <p14:creationId xmlns:p14="http://schemas.microsoft.com/office/powerpoint/2010/main" val="404526246"/>
       </p:ext>
     </p:extLst>
   </p:cSld>
